--- a/STADS-McCar-Challenge.pptx
+++ b/STADS-McCar-Challenge.pptx
@@ -224,7 +224,7 @@
           <a:p>
             <a:fld id="{12A23100-EFFE-4852-A51D-3642696A6102}" type="datetimeFigureOut">
               <a:rPr lang="en-DE" smtClean="0"/>
-              <a:t>27.10.23</a:t>
+              <a:t>01.11.23</a:t>
             </a:fld>
             <a:endParaRPr lang="en-DE"/>
           </a:p>
@@ -401,7 +401,7 @@
           <a:p>
             <a:fld id="{913C08DE-8EE5-674D-82BE-4EFAC19A71BC}" type="datetimeFigureOut">
               <a:rPr lang="de-DE" smtClean="0"/>
-              <a:t>27.10.23</a:t>
+              <a:t>01.11.23</a:t>
             </a:fld>
             <a:endParaRPr lang="de-DE"/>
           </a:p>
@@ -13854,6 +13854,15 @@
 </file>
 
 <file path=customXml/item1.xml><?xml version="1.0" encoding="utf-8"?>
+<?mso-contentType ?>
+<FormTemplates xmlns="http://schemas.microsoft.com/sharepoint/v3/contenttype/forms">
+  <Display>DocumentLibraryForm</Display>
+  <Edit>DocumentLibraryForm</Edit>
+  <New>DocumentLibraryForm</New>
+</FormTemplates>
+</file>
+
+<file path=customXml/item2.xml><?xml version="1.0" encoding="utf-8"?>
 <p:properties xmlns:p="http://schemas.microsoft.com/office/2006/metadata/properties" xmlns:xsi="http://www.w3.org/2001/XMLSchema-instance" xmlns:pc="http://schemas.microsoft.com/office/infopath/2007/PartnerControls">
   <documentManagement>
     <SharedWithUsers xmlns="d5c6fa30-91fb-48cc-a854-b6a5bda7946e">
@@ -13865,15 +13874,6 @@
     </SharedWithUsers>
   </documentManagement>
 </p:properties>
-</file>
-
-<file path=customXml/item2.xml><?xml version="1.0" encoding="utf-8"?>
-<?mso-contentType ?>
-<FormTemplates xmlns="http://schemas.microsoft.com/sharepoint/v3/contenttype/forms">
-  <Display>DocumentLibraryForm</Display>
-  <Edit>DocumentLibraryForm</Edit>
-  <New>DocumentLibraryForm</New>
-</FormTemplates>
 </file>
 
 <file path=customXml/item3.xml><?xml version="1.0" encoding="utf-8"?>
@@ -14074,6 +14074,14 @@
 </file>
 
 <file path=customXml/itemProps1.xml><?xml version="1.0" encoding="utf-8"?>
+<ds:datastoreItem xmlns:ds="http://schemas.openxmlformats.org/officeDocument/2006/customXml" ds:itemID="{5BE91919-45B6-4AA9-ACAB-C477DA9E2335}">
+  <ds:schemaRefs>
+    <ds:schemaRef ds:uri="http://schemas.microsoft.com/sharepoint/v3/contenttype/forms"/>
+  </ds:schemaRefs>
+</ds:datastoreItem>
+</file>
+
+<file path=customXml/itemProps2.xml><?xml version="1.0" encoding="utf-8"?>
 <ds:datastoreItem xmlns:ds="http://schemas.openxmlformats.org/officeDocument/2006/customXml" ds:itemID="{48475D9C-CC8A-4F13-A7C8-C19D07D921B2}">
   <ds:schemaRefs>
     <ds:schemaRef ds:uri="http://purl.org/dc/elements/1.1/"/>
@@ -14086,14 +14094,6 @@
     <ds:schemaRef ds:uri="http://schemas.openxmlformats.org/package/2006/metadata/core-properties"/>
     <ds:schemaRef ds:uri="d5c6fa30-91fb-48cc-a854-b6a5bda7946e"/>
     <ds:schemaRef ds:uri="ece9b739-d146-4418-88c9-e42d83321a3e"/>
-  </ds:schemaRefs>
-</ds:datastoreItem>
-</file>
-
-<file path=customXml/itemProps2.xml><?xml version="1.0" encoding="utf-8"?>
-<ds:datastoreItem xmlns:ds="http://schemas.openxmlformats.org/officeDocument/2006/customXml" ds:itemID="{5BE91919-45B6-4AA9-ACAB-C477DA9E2335}">
-  <ds:schemaRefs>
-    <ds:schemaRef ds:uri="http://schemas.microsoft.com/sharepoint/v3/contenttype/forms"/>
   </ds:schemaRefs>
 </ds:datastoreItem>
 </file>

--- a/STADS-McCar-Challenge.pptx
+++ b/STADS-McCar-Challenge.pptx
@@ -157,7 +157,7 @@
           <p:cNvPr id="2" name="Header Placeholder 1">
             <a:extLst>
               <a:ext uri="{FF2B5EF4-FFF2-40B4-BE49-F238E27FC236}">
-                <a16:creationId xmlns:a16="http://schemas.microsoft.com/office/drawing/2014/main" id="{3937FBEB-DCF7-496B-9B10-6CD42FA5F971}"/>
+                <a16:creationId xmlns="" xmlns:a16="http://schemas.microsoft.com/office/drawing/2014/main" id="{3937FBEB-DCF7-496B-9B10-6CD42FA5F971}"/>
               </a:ext>
             </a:extLst>
           </p:cNvPr>
@@ -185,7 +185,7 @@
             </a:lvl1pPr>
           </a:lstStyle>
           <a:p>
-            <a:endParaRPr lang="en-DE"/>
+            <a:endParaRPr lang="aa-ET"/>
           </a:p>
         </p:txBody>
       </p:sp>
@@ -194,7 +194,7 @@
           <p:cNvPr id="3" name="Date Placeholder 2">
             <a:extLst>
               <a:ext uri="{FF2B5EF4-FFF2-40B4-BE49-F238E27FC236}">
-                <a16:creationId xmlns:a16="http://schemas.microsoft.com/office/drawing/2014/main" id="{952574F3-13C1-4B34-811E-F5EFDF42363B}"/>
+                <a16:creationId xmlns="" xmlns:a16="http://schemas.microsoft.com/office/drawing/2014/main" id="{952574F3-13C1-4B34-811E-F5EFDF42363B}"/>
               </a:ext>
             </a:extLst>
           </p:cNvPr>
@@ -223,10 +223,10 @@
           </a:lstStyle>
           <a:p>
             <a:fld id="{12A23100-EFFE-4852-A51D-3642696A6102}" type="datetimeFigureOut">
-              <a:rPr lang="en-DE" smtClean="0"/>
-              <a:t>01.11.23</a:t>
+              <a:rPr lang="aa-ET" smtClean="0"/>
+              <a:t>01/11/2023</a:t>
             </a:fld>
-            <a:endParaRPr lang="en-DE"/>
+            <a:endParaRPr lang="aa-ET"/>
           </a:p>
         </p:txBody>
       </p:sp>
@@ -235,7 +235,7 @@
           <p:cNvPr id="4" name="Footer Placeholder 3">
             <a:extLst>
               <a:ext uri="{FF2B5EF4-FFF2-40B4-BE49-F238E27FC236}">
-                <a16:creationId xmlns:a16="http://schemas.microsoft.com/office/drawing/2014/main" id="{15AA1A9B-2368-4CD2-9DDC-299B8DFBFE34}"/>
+                <a16:creationId xmlns="" xmlns:a16="http://schemas.microsoft.com/office/drawing/2014/main" id="{15AA1A9B-2368-4CD2-9DDC-299B8DFBFE34}"/>
               </a:ext>
             </a:extLst>
           </p:cNvPr>
@@ -263,7 +263,7 @@
             </a:lvl1pPr>
           </a:lstStyle>
           <a:p>
-            <a:endParaRPr lang="en-DE"/>
+            <a:endParaRPr lang="aa-ET"/>
           </a:p>
         </p:txBody>
       </p:sp>
@@ -272,7 +272,7 @@
           <p:cNvPr id="5" name="Slide Number Placeholder 4">
             <a:extLst>
               <a:ext uri="{FF2B5EF4-FFF2-40B4-BE49-F238E27FC236}">
-                <a16:creationId xmlns:a16="http://schemas.microsoft.com/office/drawing/2014/main" id="{896A5F60-5AAF-4745-9978-C444B9B4806C}"/>
+                <a16:creationId xmlns="" xmlns:a16="http://schemas.microsoft.com/office/drawing/2014/main" id="{896A5F60-5AAF-4745-9978-C444B9B4806C}"/>
               </a:ext>
             </a:extLst>
           </p:cNvPr>
@@ -301,10 +301,10 @@
           </a:lstStyle>
           <a:p>
             <a:fld id="{982E09E1-5BAF-4093-8B03-2A3C18600ADF}" type="slidenum">
-              <a:rPr lang="en-DE" smtClean="0"/>
+              <a:rPr lang="aa-ET" smtClean="0"/>
               <a:t>‹#›</a:t>
             </a:fld>
-            <a:endParaRPr lang="en-DE"/>
+            <a:endParaRPr lang="aa-ET"/>
           </a:p>
         </p:txBody>
       </p:sp>
@@ -401,7 +401,7 @@
           <a:p>
             <a:fld id="{913C08DE-8EE5-674D-82BE-4EFAC19A71BC}" type="datetimeFigureOut">
               <a:rPr lang="de-DE" smtClean="0"/>
-              <a:t>01.11.23</a:t>
+              <a:t>01.11.2023</a:t>
             </a:fld>
             <a:endParaRPr lang="de-DE"/>
           </a:p>
@@ -775,7 +775,7 @@
           <p:cNvPr id="6" name="Picture 5">
             <a:extLst>
               <a:ext uri="{FF2B5EF4-FFF2-40B4-BE49-F238E27FC236}">
-                <a16:creationId xmlns:a16="http://schemas.microsoft.com/office/drawing/2014/main" id="{02059649-B7E3-6743-8423-D5E469571261}"/>
+                <a16:creationId xmlns="" xmlns:a16="http://schemas.microsoft.com/office/drawing/2014/main" id="{02059649-B7E3-6743-8423-D5E469571261}"/>
               </a:ext>
             </a:extLst>
           </p:cNvPr>
@@ -810,7 +810,7 @@
           <p:cNvPr id="16" name="Picture 15">
             <a:extLst>
               <a:ext uri="{FF2B5EF4-FFF2-40B4-BE49-F238E27FC236}">
-                <a16:creationId xmlns:a16="http://schemas.microsoft.com/office/drawing/2014/main" id="{267E7131-E132-F34E-93FF-61541EC37239}"/>
+                <a16:creationId xmlns="" xmlns:a16="http://schemas.microsoft.com/office/drawing/2014/main" id="{267E7131-E132-F34E-93FF-61541EC37239}"/>
               </a:ext>
             </a:extLst>
           </p:cNvPr>
@@ -865,7 +865,7 @@
           <p:cNvPr id="18" name="Straight Connector 12">
             <a:extLst>
               <a:ext uri="{FF2B5EF4-FFF2-40B4-BE49-F238E27FC236}">
-                <a16:creationId xmlns:a16="http://schemas.microsoft.com/office/drawing/2014/main" id="{C1EC6AEB-626B-DF49-90B9-1BADAD722DB8}"/>
+                <a16:creationId xmlns="" xmlns:a16="http://schemas.microsoft.com/office/drawing/2014/main" id="{C1EC6AEB-626B-DF49-90B9-1BADAD722DB8}"/>
               </a:ext>
             </a:extLst>
           </p:cNvPr>
@@ -908,7 +908,7 @@
           <p:cNvPr id="19" name="Text Placeholder 4">
             <a:extLst>
               <a:ext uri="{FF2B5EF4-FFF2-40B4-BE49-F238E27FC236}">
-                <a16:creationId xmlns:a16="http://schemas.microsoft.com/office/drawing/2014/main" id="{5B4A53D8-E679-D546-A7FA-A5A46F488F1B}"/>
+                <a16:creationId xmlns="" xmlns:a16="http://schemas.microsoft.com/office/drawing/2014/main" id="{5B4A53D8-E679-D546-A7FA-A5A46F488F1B}"/>
               </a:ext>
             </a:extLst>
           </p:cNvPr>
@@ -1021,7 +1021,7 @@
           <p:cNvPr id="20" name="Grafik 19">
             <a:extLst>
               <a:ext uri="{FF2B5EF4-FFF2-40B4-BE49-F238E27FC236}">
-                <a16:creationId xmlns:a16="http://schemas.microsoft.com/office/drawing/2014/main" id="{2FC33690-B9CF-B24B-915F-6AC3702DECAF}"/>
+                <a16:creationId xmlns="" xmlns:a16="http://schemas.microsoft.com/office/drawing/2014/main" id="{2FC33690-B9CF-B24B-915F-6AC3702DECAF}"/>
               </a:ext>
             </a:extLst>
           </p:cNvPr>
@@ -1051,7 +1051,7 @@
           <p:cNvPr id="21" name="Gruppieren 20">
             <a:extLst>
               <a:ext uri="{FF2B5EF4-FFF2-40B4-BE49-F238E27FC236}">
-                <a16:creationId xmlns:a16="http://schemas.microsoft.com/office/drawing/2014/main" id="{89383842-07F0-CA46-8C3F-7096BDF2741F}"/>
+                <a16:creationId xmlns="" xmlns:a16="http://schemas.microsoft.com/office/drawing/2014/main" id="{89383842-07F0-CA46-8C3F-7096BDF2741F}"/>
               </a:ext>
             </a:extLst>
           </p:cNvPr>
@@ -1071,7 +1071,7 @@
             <p:cNvPr id="22" name="TextBox 8">
               <a:extLst>
                 <a:ext uri="{FF2B5EF4-FFF2-40B4-BE49-F238E27FC236}">
-                  <a16:creationId xmlns:a16="http://schemas.microsoft.com/office/drawing/2014/main" id="{82E8ADA4-48E3-0840-A271-163775C94922}"/>
+                  <a16:creationId xmlns="" xmlns:a16="http://schemas.microsoft.com/office/drawing/2014/main" id="{82E8ADA4-48E3-0840-A271-163775C94922}"/>
                 </a:ext>
               </a:extLst>
             </p:cNvPr>
@@ -1149,7 +1149,7 @@
             <p:cNvPr id="23" name="TextBox 13">
               <a:extLst>
                 <a:ext uri="{FF2B5EF4-FFF2-40B4-BE49-F238E27FC236}">
-                  <a16:creationId xmlns:a16="http://schemas.microsoft.com/office/drawing/2014/main" id="{1C15CFCC-2B17-A640-896F-B6236074788B}"/>
+                  <a16:creationId xmlns="" xmlns:a16="http://schemas.microsoft.com/office/drawing/2014/main" id="{1C15CFCC-2B17-A640-896F-B6236074788B}"/>
                 </a:ext>
               </a:extLst>
             </p:cNvPr>
@@ -1203,6 +1203,22 @@
                   <a:cs typeface="Franklin Gothic Medium" charset="0"/>
                 </a:rPr>
                 <a:t>Schlather</a:t>
+              </a:r>
+              <a:r>
+                <a:rPr lang="de-DE" sz="1400">
+                  <a:solidFill>
+                    <a:schemeClr val="bg1">
+                      <a:alpha val="84000"/>
+                    </a:schemeClr>
+                  </a:solidFill>
+                  <a:effectLst>
+                    <a:reflection endPos="0" dist="50800" dir="5400000" sy="-100000" algn="bl" rotWithShape="0"/>
+                  </a:effectLst>
+                  <a:latin typeface="Franklin Gothic Medium" charset="0"/>
+                  <a:ea typeface="Franklin Gothic Medium" charset="0"/>
+                  <a:cs typeface="Franklin Gothic Medium" charset="0"/>
+                </a:rPr>
+                <a:t/>
               </a:r>
               <a:br>
                 <a:rPr lang="de-DE" sz="1400">
@@ -1279,7 +1295,7 @@
           <p:cNvPr id="4" name="Rectangle 3">
             <a:extLst>
               <a:ext uri="{FF2B5EF4-FFF2-40B4-BE49-F238E27FC236}">
-                <a16:creationId xmlns:a16="http://schemas.microsoft.com/office/drawing/2014/main" id="{12698AAF-8523-4EA4-87ED-7CF3B22716D1}"/>
+                <a16:creationId xmlns="" xmlns:a16="http://schemas.microsoft.com/office/drawing/2014/main" id="{12698AAF-8523-4EA4-87ED-7CF3B22716D1}"/>
               </a:ext>
             </a:extLst>
           </p:cNvPr>
@@ -1379,7 +1395,7 @@
           <p:cNvPr id="5" name="TextBox 4">
             <a:extLst>
               <a:ext uri="{FF2B5EF4-FFF2-40B4-BE49-F238E27FC236}">
-                <a16:creationId xmlns:a16="http://schemas.microsoft.com/office/drawing/2014/main" id="{BCE3A925-BE40-43AF-87CB-E8DCC79741DD}"/>
+                <a16:creationId xmlns="" xmlns:a16="http://schemas.microsoft.com/office/drawing/2014/main" id="{BCE3A925-BE40-43AF-87CB-E8DCC79741DD}"/>
               </a:ext>
             </a:extLst>
           </p:cNvPr>
@@ -1419,7 +1435,7 @@
           <p:cNvPr id="7" name="Text Placeholder 6">
             <a:extLst>
               <a:ext uri="{FF2B5EF4-FFF2-40B4-BE49-F238E27FC236}">
-                <a16:creationId xmlns:a16="http://schemas.microsoft.com/office/drawing/2014/main" id="{DDD6A849-E184-4A3F-8618-5304712F5144}"/>
+                <a16:creationId xmlns="" xmlns:a16="http://schemas.microsoft.com/office/drawing/2014/main" id="{DDD6A849-E184-4A3F-8618-5304712F5144}"/>
               </a:ext>
             </a:extLst>
           </p:cNvPr>
@@ -1473,7 +1489,7 @@
           <p:cNvPr id="6" name="Text Placeholder 6">
             <a:extLst>
               <a:ext uri="{FF2B5EF4-FFF2-40B4-BE49-F238E27FC236}">
-                <a16:creationId xmlns:a16="http://schemas.microsoft.com/office/drawing/2014/main" id="{7ABEB200-51F4-4B32-9C5B-EB74BBFCDCD0}"/>
+                <a16:creationId xmlns="" xmlns:a16="http://schemas.microsoft.com/office/drawing/2014/main" id="{7ABEB200-51F4-4B32-9C5B-EB74BBFCDCD0}"/>
               </a:ext>
             </a:extLst>
           </p:cNvPr>
@@ -1527,7 +1543,7 @@
           <p:cNvPr id="8" name="Text Placeholder 6">
             <a:extLst>
               <a:ext uri="{FF2B5EF4-FFF2-40B4-BE49-F238E27FC236}">
-                <a16:creationId xmlns:a16="http://schemas.microsoft.com/office/drawing/2014/main" id="{3EF3C2BB-A586-4B17-AB1C-66F10161663F}"/>
+                <a16:creationId xmlns="" xmlns:a16="http://schemas.microsoft.com/office/drawing/2014/main" id="{3EF3C2BB-A586-4B17-AB1C-66F10161663F}"/>
               </a:ext>
             </a:extLst>
           </p:cNvPr>
@@ -1581,7 +1597,7 @@
           <p:cNvPr id="9" name="Text Placeholder 6">
             <a:extLst>
               <a:ext uri="{FF2B5EF4-FFF2-40B4-BE49-F238E27FC236}">
-                <a16:creationId xmlns:a16="http://schemas.microsoft.com/office/drawing/2014/main" id="{54F58F6D-5153-4A9F-942B-ABB91607B0FD}"/>
+                <a16:creationId xmlns="" xmlns:a16="http://schemas.microsoft.com/office/drawing/2014/main" id="{54F58F6D-5153-4A9F-942B-ABB91607B0FD}"/>
               </a:ext>
             </a:extLst>
           </p:cNvPr>
@@ -1635,7 +1651,7 @@
           <p:cNvPr id="18" name="Gruppieren 17">
             <a:extLst>
               <a:ext uri="{FF2B5EF4-FFF2-40B4-BE49-F238E27FC236}">
-                <a16:creationId xmlns:a16="http://schemas.microsoft.com/office/drawing/2014/main" id="{17ED5F15-DB9D-0A49-9498-562BD5B08554}"/>
+                <a16:creationId xmlns="" xmlns:a16="http://schemas.microsoft.com/office/drawing/2014/main" id="{17ED5F15-DB9D-0A49-9498-562BD5B08554}"/>
               </a:ext>
             </a:extLst>
           </p:cNvPr>
@@ -1655,7 +1671,7 @@
             <p:cNvPr id="13" name="TextBox 12">
               <a:extLst>
                 <a:ext uri="{FF2B5EF4-FFF2-40B4-BE49-F238E27FC236}">
-                  <a16:creationId xmlns:a16="http://schemas.microsoft.com/office/drawing/2014/main" id="{2F4EB27E-7228-48A5-A85E-5FB3D12169F6}"/>
+                  <a16:creationId xmlns="" xmlns:a16="http://schemas.microsoft.com/office/drawing/2014/main" id="{2F4EB27E-7228-48A5-A85E-5FB3D12169F6}"/>
                 </a:ext>
               </a:extLst>
             </p:cNvPr>
@@ -1702,7 +1718,7 @@
             <p:cNvPr id="16" name="Grafik 15">
               <a:extLst>
                 <a:ext uri="{FF2B5EF4-FFF2-40B4-BE49-F238E27FC236}">
-                  <a16:creationId xmlns:a16="http://schemas.microsoft.com/office/drawing/2014/main" id="{F3A85016-4FE5-3949-90CB-F39BC32443B1}"/>
+                  <a16:creationId xmlns="" xmlns:a16="http://schemas.microsoft.com/office/drawing/2014/main" id="{F3A85016-4FE5-3949-90CB-F39BC32443B1}"/>
                 </a:ext>
               </a:extLst>
             </p:cNvPr>
@@ -1779,7 +1795,7 @@
           <p:cNvPr id="4" name="Rectangle 3">
             <a:extLst>
               <a:ext uri="{FF2B5EF4-FFF2-40B4-BE49-F238E27FC236}">
-                <a16:creationId xmlns:a16="http://schemas.microsoft.com/office/drawing/2014/main" id="{12698AAF-8523-4EA4-87ED-7CF3B22716D1}"/>
+                <a16:creationId xmlns="" xmlns:a16="http://schemas.microsoft.com/office/drawing/2014/main" id="{12698AAF-8523-4EA4-87ED-7CF3B22716D1}"/>
               </a:ext>
             </a:extLst>
           </p:cNvPr>
@@ -1879,7 +1895,7 @@
           <p:cNvPr id="5" name="TextBox 4">
             <a:extLst>
               <a:ext uri="{FF2B5EF4-FFF2-40B4-BE49-F238E27FC236}">
-                <a16:creationId xmlns:a16="http://schemas.microsoft.com/office/drawing/2014/main" id="{BCE3A925-BE40-43AF-87CB-E8DCC79741DD}"/>
+                <a16:creationId xmlns="" xmlns:a16="http://schemas.microsoft.com/office/drawing/2014/main" id="{BCE3A925-BE40-43AF-87CB-E8DCC79741DD}"/>
               </a:ext>
             </a:extLst>
           </p:cNvPr>
@@ -1919,7 +1935,7 @@
           <p:cNvPr id="7" name="Text Placeholder 6">
             <a:extLst>
               <a:ext uri="{FF2B5EF4-FFF2-40B4-BE49-F238E27FC236}">
-                <a16:creationId xmlns:a16="http://schemas.microsoft.com/office/drawing/2014/main" id="{DDD6A849-E184-4A3F-8618-5304712F5144}"/>
+                <a16:creationId xmlns="" xmlns:a16="http://schemas.microsoft.com/office/drawing/2014/main" id="{DDD6A849-E184-4A3F-8618-5304712F5144}"/>
               </a:ext>
             </a:extLst>
           </p:cNvPr>
@@ -1970,7 +1986,7 @@
           <p:cNvPr id="6" name="Text Placeholder 6">
             <a:extLst>
               <a:ext uri="{FF2B5EF4-FFF2-40B4-BE49-F238E27FC236}">
-                <a16:creationId xmlns:a16="http://schemas.microsoft.com/office/drawing/2014/main" id="{7ABEB200-51F4-4B32-9C5B-EB74BBFCDCD0}"/>
+                <a16:creationId xmlns="" xmlns:a16="http://schemas.microsoft.com/office/drawing/2014/main" id="{7ABEB200-51F4-4B32-9C5B-EB74BBFCDCD0}"/>
               </a:ext>
             </a:extLst>
           </p:cNvPr>
@@ -2024,7 +2040,7 @@
           <p:cNvPr id="8" name="Text Placeholder 6">
             <a:extLst>
               <a:ext uri="{FF2B5EF4-FFF2-40B4-BE49-F238E27FC236}">
-                <a16:creationId xmlns:a16="http://schemas.microsoft.com/office/drawing/2014/main" id="{3EF3C2BB-A586-4B17-AB1C-66F10161663F}"/>
+                <a16:creationId xmlns="" xmlns:a16="http://schemas.microsoft.com/office/drawing/2014/main" id="{3EF3C2BB-A586-4B17-AB1C-66F10161663F}"/>
               </a:ext>
             </a:extLst>
           </p:cNvPr>
@@ -2078,7 +2094,7 @@
           <p:cNvPr id="9" name="Text Placeholder 6">
             <a:extLst>
               <a:ext uri="{FF2B5EF4-FFF2-40B4-BE49-F238E27FC236}">
-                <a16:creationId xmlns:a16="http://schemas.microsoft.com/office/drawing/2014/main" id="{54F58F6D-5153-4A9F-942B-ABB91607B0FD}"/>
+                <a16:creationId xmlns="" xmlns:a16="http://schemas.microsoft.com/office/drawing/2014/main" id="{54F58F6D-5153-4A9F-942B-ABB91607B0FD}"/>
               </a:ext>
             </a:extLst>
           </p:cNvPr>
@@ -2132,7 +2148,7 @@
           <p:cNvPr id="2" name="Freeform 1079">
             <a:extLst>
               <a:ext uri="{FF2B5EF4-FFF2-40B4-BE49-F238E27FC236}">
-                <a16:creationId xmlns:a16="http://schemas.microsoft.com/office/drawing/2014/main" id="{B3F5073E-FB9C-4F8C-B05D-F48F2DC3E073}"/>
+                <a16:creationId xmlns="" xmlns:a16="http://schemas.microsoft.com/office/drawing/2014/main" id="{B3F5073E-FB9C-4F8C-B05D-F48F2DC3E073}"/>
               </a:ext>
             </a:extLst>
           </p:cNvPr>
@@ -2349,7 +2365,7 @@
           <p:cNvPr id="15" name="Gruppieren 14">
             <a:extLst>
               <a:ext uri="{FF2B5EF4-FFF2-40B4-BE49-F238E27FC236}">
-                <a16:creationId xmlns:a16="http://schemas.microsoft.com/office/drawing/2014/main" id="{7E32370F-6A78-5249-9A86-D6FAB9CE7488}"/>
+                <a16:creationId xmlns="" xmlns:a16="http://schemas.microsoft.com/office/drawing/2014/main" id="{7E32370F-6A78-5249-9A86-D6FAB9CE7488}"/>
               </a:ext>
             </a:extLst>
           </p:cNvPr>
@@ -2369,7 +2385,7 @@
             <p:cNvPr id="16" name="TextBox 12">
               <a:extLst>
                 <a:ext uri="{FF2B5EF4-FFF2-40B4-BE49-F238E27FC236}">
-                  <a16:creationId xmlns:a16="http://schemas.microsoft.com/office/drawing/2014/main" id="{98FCD8F0-7D0E-FA44-A8CB-3668EF5E388D}"/>
+                  <a16:creationId xmlns="" xmlns:a16="http://schemas.microsoft.com/office/drawing/2014/main" id="{98FCD8F0-7D0E-FA44-A8CB-3668EF5E388D}"/>
                 </a:ext>
               </a:extLst>
             </p:cNvPr>
@@ -2416,7 +2432,7 @@
             <p:cNvPr id="17" name="Grafik 16">
               <a:extLst>
                 <a:ext uri="{FF2B5EF4-FFF2-40B4-BE49-F238E27FC236}">
-                  <a16:creationId xmlns:a16="http://schemas.microsoft.com/office/drawing/2014/main" id="{228BD3B1-E329-2348-890E-E80E8938A35D}"/>
+                  <a16:creationId xmlns="" xmlns:a16="http://schemas.microsoft.com/office/drawing/2014/main" id="{228BD3B1-E329-2348-890E-E80E8938A35D}"/>
                 </a:ext>
               </a:extLst>
             </p:cNvPr>
@@ -2493,7 +2509,7 @@
           <p:cNvPr id="4" name="Rectangle 3">
             <a:extLst>
               <a:ext uri="{FF2B5EF4-FFF2-40B4-BE49-F238E27FC236}">
-                <a16:creationId xmlns:a16="http://schemas.microsoft.com/office/drawing/2014/main" id="{12698AAF-8523-4EA4-87ED-7CF3B22716D1}"/>
+                <a16:creationId xmlns="" xmlns:a16="http://schemas.microsoft.com/office/drawing/2014/main" id="{12698AAF-8523-4EA4-87ED-7CF3B22716D1}"/>
               </a:ext>
             </a:extLst>
           </p:cNvPr>
@@ -2593,7 +2609,7 @@
           <p:cNvPr id="5" name="TextBox 4">
             <a:extLst>
               <a:ext uri="{FF2B5EF4-FFF2-40B4-BE49-F238E27FC236}">
-                <a16:creationId xmlns:a16="http://schemas.microsoft.com/office/drawing/2014/main" id="{BCE3A925-BE40-43AF-87CB-E8DCC79741DD}"/>
+                <a16:creationId xmlns="" xmlns:a16="http://schemas.microsoft.com/office/drawing/2014/main" id="{BCE3A925-BE40-43AF-87CB-E8DCC79741DD}"/>
               </a:ext>
             </a:extLst>
           </p:cNvPr>
@@ -2633,7 +2649,7 @@
           <p:cNvPr id="7" name="Text Placeholder 6">
             <a:extLst>
               <a:ext uri="{FF2B5EF4-FFF2-40B4-BE49-F238E27FC236}">
-                <a16:creationId xmlns:a16="http://schemas.microsoft.com/office/drawing/2014/main" id="{DDD6A849-E184-4A3F-8618-5304712F5144}"/>
+                <a16:creationId xmlns="" xmlns:a16="http://schemas.microsoft.com/office/drawing/2014/main" id="{DDD6A849-E184-4A3F-8618-5304712F5144}"/>
               </a:ext>
             </a:extLst>
           </p:cNvPr>
@@ -2687,7 +2703,7 @@
           <p:cNvPr id="6" name="Text Placeholder 6">
             <a:extLst>
               <a:ext uri="{FF2B5EF4-FFF2-40B4-BE49-F238E27FC236}">
-                <a16:creationId xmlns:a16="http://schemas.microsoft.com/office/drawing/2014/main" id="{7ABEB200-51F4-4B32-9C5B-EB74BBFCDCD0}"/>
+                <a16:creationId xmlns="" xmlns:a16="http://schemas.microsoft.com/office/drawing/2014/main" id="{7ABEB200-51F4-4B32-9C5B-EB74BBFCDCD0}"/>
               </a:ext>
             </a:extLst>
           </p:cNvPr>
@@ -2738,7 +2754,7 @@
           <p:cNvPr id="8" name="Text Placeholder 6">
             <a:extLst>
               <a:ext uri="{FF2B5EF4-FFF2-40B4-BE49-F238E27FC236}">
-                <a16:creationId xmlns:a16="http://schemas.microsoft.com/office/drawing/2014/main" id="{3EF3C2BB-A586-4B17-AB1C-66F10161663F}"/>
+                <a16:creationId xmlns="" xmlns:a16="http://schemas.microsoft.com/office/drawing/2014/main" id="{3EF3C2BB-A586-4B17-AB1C-66F10161663F}"/>
               </a:ext>
             </a:extLst>
           </p:cNvPr>
@@ -2792,7 +2808,7 @@
           <p:cNvPr id="9" name="Text Placeholder 6">
             <a:extLst>
               <a:ext uri="{FF2B5EF4-FFF2-40B4-BE49-F238E27FC236}">
-                <a16:creationId xmlns:a16="http://schemas.microsoft.com/office/drawing/2014/main" id="{54F58F6D-5153-4A9F-942B-ABB91607B0FD}"/>
+                <a16:creationId xmlns="" xmlns:a16="http://schemas.microsoft.com/office/drawing/2014/main" id="{54F58F6D-5153-4A9F-942B-ABB91607B0FD}"/>
               </a:ext>
             </a:extLst>
           </p:cNvPr>
@@ -2846,7 +2862,7 @@
           <p:cNvPr id="2" name="Freeform 1079">
             <a:extLst>
               <a:ext uri="{FF2B5EF4-FFF2-40B4-BE49-F238E27FC236}">
-                <a16:creationId xmlns:a16="http://schemas.microsoft.com/office/drawing/2014/main" id="{B3F5073E-FB9C-4F8C-B05D-F48F2DC3E073}"/>
+                <a16:creationId xmlns="" xmlns:a16="http://schemas.microsoft.com/office/drawing/2014/main" id="{B3F5073E-FB9C-4F8C-B05D-F48F2DC3E073}"/>
               </a:ext>
             </a:extLst>
           </p:cNvPr>
@@ -3063,7 +3079,7 @@
           <p:cNvPr id="15" name="Gruppieren 14">
             <a:extLst>
               <a:ext uri="{FF2B5EF4-FFF2-40B4-BE49-F238E27FC236}">
-                <a16:creationId xmlns:a16="http://schemas.microsoft.com/office/drawing/2014/main" id="{49CDB6A9-8D70-8746-A081-B423102A65D7}"/>
+                <a16:creationId xmlns="" xmlns:a16="http://schemas.microsoft.com/office/drawing/2014/main" id="{49CDB6A9-8D70-8746-A081-B423102A65D7}"/>
               </a:ext>
             </a:extLst>
           </p:cNvPr>
@@ -3083,7 +3099,7 @@
             <p:cNvPr id="16" name="TextBox 12">
               <a:extLst>
                 <a:ext uri="{FF2B5EF4-FFF2-40B4-BE49-F238E27FC236}">
-                  <a16:creationId xmlns:a16="http://schemas.microsoft.com/office/drawing/2014/main" id="{1CC253A8-5788-0E4D-8DA1-BB21B99BB6C4}"/>
+                  <a16:creationId xmlns="" xmlns:a16="http://schemas.microsoft.com/office/drawing/2014/main" id="{1CC253A8-5788-0E4D-8DA1-BB21B99BB6C4}"/>
                 </a:ext>
               </a:extLst>
             </p:cNvPr>
@@ -3130,7 +3146,7 @@
             <p:cNvPr id="17" name="Grafik 16">
               <a:extLst>
                 <a:ext uri="{FF2B5EF4-FFF2-40B4-BE49-F238E27FC236}">
-                  <a16:creationId xmlns:a16="http://schemas.microsoft.com/office/drawing/2014/main" id="{0E46FB96-0AB0-C842-ACE8-ADCCDBBB394A}"/>
+                  <a16:creationId xmlns="" xmlns:a16="http://schemas.microsoft.com/office/drawing/2014/main" id="{0E46FB96-0AB0-C842-ACE8-ADCCDBBB394A}"/>
                 </a:ext>
               </a:extLst>
             </p:cNvPr>
@@ -3207,7 +3223,7 @@
           <p:cNvPr id="4" name="Rectangle 3">
             <a:extLst>
               <a:ext uri="{FF2B5EF4-FFF2-40B4-BE49-F238E27FC236}">
-                <a16:creationId xmlns:a16="http://schemas.microsoft.com/office/drawing/2014/main" id="{12698AAF-8523-4EA4-87ED-7CF3B22716D1}"/>
+                <a16:creationId xmlns="" xmlns:a16="http://schemas.microsoft.com/office/drawing/2014/main" id="{12698AAF-8523-4EA4-87ED-7CF3B22716D1}"/>
               </a:ext>
             </a:extLst>
           </p:cNvPr>
@@ -3307,7 +3323,7 @@
           <p:cNvPr id="5" name="TextBox 4">
             <a:extLst>
               <a:ext uri="{FF2B5EF4-FFF2-40B4-BE49-F238E27FC236}">
-                <a16:creationId xmlns:a16="http://schemas.microsoft.com/office/drawing/2014/main" id="{BCE3A925-BE40-43AF-87CB-E8DCC79741DD}"/>
+                <a16:creationId xmlns="" xmlns:a16="http://schemas.microsoft.com/office/drawing/2014/main" id="{BCE3A925-BE40-43AF-87CB-E8DCC79741DD}"/>
               </a:ext>
             </a:extLst>
           </p:cNvPr>
@@ -3347,7 +3363,7 @@
           <p:cNvPr id="7" name="Text Placeholder 6">
             <a:extLst>
               <a:ext uri="{FF2B5EF4-FFF2-40B4-BE49-F238E27FC236}">
-                <a16:creationId xmlns:a16="http://schemas.microsoft.com/office/drawing/2014/main" id="{DDD6A849-E184-4A3F-8618-5304712F5144}"/>
+                <a16:creationId xmlns="" xmlns:a16="http://schemas.microsoft.com/office/drawing/2014/main" id="{DDD6A849-E184-4A3F-8618-5304712F5144}"/>
               </a:ext>
             </a:extLst>
           </p:cNvPr>
@@ -3401,7 +3417,7 @@
           <p:cNvPr id="6" name="Text Placeholder 6">
             <a:extLst>
               <a:ext uri="{FF2B5EF4-FFF2-40B4-BE49-F238E27FC236}">
-                <a16:creationId xmlns:a16="http://schemas.microsoft.com/office/drawing/2014/main" id="{7ABEB200-51F4-4B32-9C5B-EB74BBFCDCD0}"/>
+                <a16:creationId xmlns="" xmlns:a16="http://schemas.microsoft.com/office/drawing/2014/main" id="{7ABEB200-51F4-4B32-9C5B-EB74BBFCDCD0}"/>
               </a:ext>
             </a:extLst>
           </p:cNvPr>
@@ -3455,7 +3471,7 @@
           <p:cNvPr id="8" name="Text Placeholder 6">
             <a:extLst>
               <a:ext uri="{FF2B5EF4-FFF2-40B4-BE49-F238E27FC236}">
-                <a16:creationId xmlns:a16="http://schemas.microsoft.com/office/drawing/2014/main" id="{3EF3C2BB-A586-4B17-AB1C-66F10161663F}"/>
+                <a16:creationId xmlns="" xmlns:a16="http://schemas.microsoft.com/office/drawing/2014/main" id="{3EF3C2BB-A586-4B17-AB1C-66F10161663F}"/>
               </a:ext>
             </a:extLst>
           </p:cNvPr>
@@ -3506,7 +3522,7 @@
           <p:cNvPr id="9" name="Text Placeholder 6">
             <a:extLst>
               <a:ext uri="{FF2B5EF4-FFF2-40B4-BE49-F238E27FC236}">
-                <a16:creationId xmlns:a16="http://schemas.microsoft.com/office/drawing/2014/main" id="{54F58F6D-5153-4A9F-942B-ABB91607B0FD}"/>
+                <a16:creationId xmlns="" xmlns:a16="http://schemas.microsoft.com/office/drawing/2014/main" id="{54F58F6D-5153-4A9F-942B-ABB91607B0FD}"/>
               </a:ext>
             </a:extLst>
           </p:cNvPr>
@@ -3560,7 +3576,7 @@
           <p:cNvPr id="2" name="Freeform 1079">
             <a:extLst>
               <a:ext uri="{FF2B5EF4-FFF2-40B4-BE49-F238E27FC236}">
-                <a16:creationId xmlns:a16="http://schemas.microsoft.com/office/drawing/2014/main" id="{B3F5073E-FB9C-4F8C-B05D-F48F2DC3E073}"/>
+                <a16:creationId xmlns="" xmlns:a16="http://schemas.microsoft.com/office/drawing/2014/main" id="{B3F5073E-FB9C-4F8C-B05D-F48F2DC3E073}"/>
               </a:ext>
             </a:extLst>
           </p:cNvPr>
@@ -3777,7 +3793,7 @@
           <p:cNvPr id="15" name="Gruppieren 14">
             <a:extLst>
               <a:ext uri="{FF2B5EF4-FFF2-40B4-BE49-F238E27FC236}">
-                <a16:creationId xmlns:a16="http://schemas.microsoft.com/office/drawing/2014/main" id="{75F10AF1-65AA-2D48-8AAD-66AE02FFB47D}"/>
+                <a16:creationId xmlns="" xmlns:a16="http://schemas.microsoft.com/office/drawing/2014/main" id="{75F10AF1-65AA-2D48-8AAD-66AE02FFB47D}"/>
               </a:ext>
             </a:extLst>
           </p:cNvPr>
@@ -3797,7 +3813,7 @@
             <p:cNvPr id="16" name="TextBox 12">
               <a:extLst>
                 <a:ext uri="{FF2B5EF4-FFF2-40B4-BE49-F238E27FC236}">
-                  <a16:creationId xmlns:a16="http://schemas.microsoft.com/office/drawing/2014/main" id="{9E34364E-1392-6244-A369-62E3B2619355}"/>
+                  <a16:creationId xmlns="" xmlns:a16="http://schemas.microsoft.com/office/drawing/2014/main" id="{9E34364E-1392-6244-A369-62E3B2619355}"/>
                 </a:ext>
               </a:extLst>
             </p:cNvPr>
@@ -3844,7 +3860,7 @@
             <p:cNvPr id="17" name="Grafik 16">
               <a:extLst>
                 <a:ext uri="{FF2B5EF4-FFF2-40B4-BE49-F238E27FC236}">
-                  <a16:creationId xmlns:a16="http://schemas.microsoft.com/office/drawing/2014/main" id="{315936E8-D640-C74A-A6BA-6783A761782D}"/>
+                  <a16:creationId xmlns="" xmlns:a16="http://schemas.microsoft.com/office/drawing/2014/main" id="{315936E8-D640-C74A-A6BA-6783A761782D}"/>
                 </a:ext>
               </a:extLst>
             </p:cNvPr>
@@ -3921,7 +3937,7 @@
           <p:cNvPr id="4" name="Rectangle 3">
             <a:extLst>
               <a:ext uri="{FF2B5EF4-FFF2-40B4-BE49-F238E27FC236}">
-                <a16:creationId xmlns:a16="http://schemas.microsoft.com/office/drawing/2014/main" id="{12698AAF-8523-4EA4-87ED-7CF3B22716D1}"/>
+                <a16:creationId xmlns="" xmlns:a16="http://schemas.microsoft.com/office/drawing/2014/main" id="{12698AAF-8523-4EA4-87ED-7CF3B22716D1}"/>
               </a:ext>
             </a:extLst>
           </p:cNvPr>
@@ -4021,7 +4037,7 @@
           <p:cNvPr id="5" name="TextBox 4">
             <a:extLst>
               <a:ext uri="{FF2B5EF4-FFF2-40B4-BE49-F238E27FC236}">
-                <a16:creationId xmlns:a16="http://schemas.microsoft.com/office/drawing/2014/main" id="{BCE3A925-BE40-43AF-87CB-E8DCC79741DD}"/>
+                <a16:creationId xmlns="" xmlns:a16="http://schemas.microsoft.com/office/drawing/2014/main" id="{BCE3A925-BE40-43AF-87CB-E8DCC79741DD}"/>
               </a:ext>
             </a:extLst>
           </p:cNvPr>
@@ -4061,7 +4077,7 @@
           <p:cNvPr id="7" name="Text Placeholder 6">
             <a:extLst>
               <a:ext uri="{FF2B5EF4-FFF2-40B4-BE49-F238E27FC236}">
-                <a16:creationId xmlns:a16="http://schemas.microsoft.com/office/drawing/2014/main" id="{DDD6A849-E184-4A3F-8618-5304712F5144}"/>
+                <a16:creationId xmlns="" xmlns:a16="http://schemas.microsoft.com/office/drawing/2014/main" id="{DDD6A849-E184-4A3F-8618-5304712F5144}"/>
               </a:ext>
             </a:extLst>
           </p:cNvPr>
@@ -4115,7 +4131,7 @@
           <p:cNvPr id="6" name="Text Placeholder 6">
             <a:extLst>
               <a:ext uri="{FF2B5EF4-FFF2-40B4-BE49-F238E27FC236}">
-                <a16:creationId xmlns:a16="http://schemas.microsoft.com/office/drawing/2014/main" id="{7ABEB200-51F4-4B32-9C5B-EB74BBFCDCD0}"/>
+                <a16:creationId xmlns="" xmlns:a16="http://schemas.microsoft.com/office/drawing/2014/main" id="{7ABEB200-51F4-4B32-9C5B-EB74BBFCDCD0}"/>
               </a:ext>
             </a:extLst>
           </p:cNvPr>
@@ -4169,7 +4185,7 @@
           <p:cNvPr id="8" name="Text Placeholder 6">
             <a:extLst>
               <a:ext uri="{FF2B5EF4-FFF2-40B4-BE49-F238E27FC236}">
-                <a16:creationId xmlns:a16="http://schemas.microsoft.com/office/drawing/2014/main" id="{3EF3C2BB-A586-4B17-AB1C-66F10161663F}"/>
+                <a16:creationId xmlns="" xmlns:a16="http://schemas.microsoft.com/office/drawing/2014/main" id="{3EF3C2BB-A586-4B17-AB1C-66F10161663F}"/>
               </a:ext>
             </a:extLst>
           </p:cNvPr>
@@ -4223,7 +4239,7 @@
           <p:cNvPr id="9" name="Text Placeholder 6">
             <a:extLst>
               <a:ext uri="{FF2B5EF4-FFF2-40B4-BE49-F238E27FC236}">
-                <a16:creationId xmlns:a16="http://schemas.microsoft.com/office/drawing/2014/main" id="{54F58F6D-5153-4A9F-942B-ABB91607B0FD}"/>
+                <a16:creationId xmlns="" xmlns:a16="http://schemas.microsoft.com/office/drawing/2014/main" id="{54F58F6D-5153-4A9F-942B-ABB91607B0FD}"/>
               </a:ext>
             </a:extLst>
           </p:cNvPr>
@@ -4274,7 +4290,7 @@
           <p:cNvPr id="2" name="Freeform 1079">
             <a:extLst>
               <a:ext uri="{FF2B5EF4-FFF2-40B4-BE49-F238E27FC236}">
-                <a16:creationId xmlns:a16="http://schemas.microsoft.com/office/drawing/2014/main" id="{B3F5073E-FB9C-4F8C-B05D-F48F2DC3E073}"/>
+                <a16:creationId xmlns="" xmlns:a16="http://schemas.microsoft.com/office/drawing/2014/main" id="{B3F5073E-FB9C-4F8C-B05D-F48F2DC3E073}"/>
               </a:ext>
             </a:extLst>
           </p:cNvPr>
@@ -4491,7 +4507,7 @@
           <p:cNvPr id="15" name="Gruppieren 14">
             <a:extLst>
               <a:ext uri="{FF2B5EF4-FFF2-40B4-BE49-F238E27FC236}">
-                <a16:creationId xmlns:a16="http://schemas.microsoft.com/office/drawing/2014/main" id="{967BE951-6188-3842-946A-086F775E3401}"/>
+                <a16:creationId xmlns="" xmlns:a16="http://schemas.microsoft.com/office/drawing/2014/main" id="{967BE951-6188-3842-946A-086F775E3401}"/>
               </a:ext>
             </a:extLst>
           </p:cNvPr>
@@ -4511,7 +4527,7 @@
             <p:cNvPr id="16" name="TextBox 12">
               <a:extLst>
                 <a:ext uri="{FF2B5EF4-FFF2-40B4-BE49-F238E27FC236}">
-                  <a16:creationId xmlns:a16="http://schemas.microsoft.com/office/drawing/2014/main" id="{AB2BC96A-8345-E145-9861-6EA90FE6E7A7}"/>
+                  <a16:creationId xmlns="" xmlns:a16="http://schemas.microsoft.com/office/drawing/2014/main" id="{AB2BC96A-8345-E145-9861-6EA90FE6E7A7}"/>
                 </a:ext>
               </a:extLst>
             </p:cNvPr>
@@ -4558,7 +4574,7 @@
             <p:cNvPr id="17" name="Grafik 16">
               <a:extLst>
                 <a:ext uri="{FF2B5EF4-FFF2-40B4-BE49-F238E27FC236}">
-                  <a16:creationId xmlns:a16="http://schemas.microsoft.com/office/drawing/2014/main" id="{664B64A2-93DE-9543-9FCE-63E11358649A}"/>
+                  <a16:creationId xmlns="" xmlns:a16="http://schemas.microsoft.com/office/drawing/2014/main" id="{664B64A2-93DE-9543-9FCE-63E11358649A}"/>
                 </a:ext>
               </a:extLst>
             </p:cNvPr>
@@ -4882,7 +4898,7 @@
           <p:cNvPr id="6" name="Picture 5">
             <a:extLst>
               <a:ext uri="{FF2B5EF4-FFF2-40B4-BE49-F238E27FC236}">
-                <a16:creationId xmlns:a16="http://schemas.microsoft.com/office/drawing/2014/main" id="{02059649-B7E3-6743-8423-D5E469571261}"/>
+                <a16:creationId xmlns="" xmlns:a16="http://schemas.microsoft.com/office/drawing/2014/main" id="{02059649-B7E3-6743-8423-D5E469571261}"/>
               </a:ext>
             </a:extLst>
           </p:cNvPr>
@@ -4917,7 +4933,7 @@
           <p:cNvPr id="9" name="TextBox 8">
             <a:extLst>
               <a:ext uri="{FF2B5EF4-FFF2-40B4-BE49-F238E27FC236}">
-                <a16:creationId xmlns:a16="http://schemas.microsoft.com/office/drawing/2014/main" id="{B2482E0C-A5D2-5747-9B5C-8D1BBA5823F5}"/>
+                <a16:creationId xmlns="" xmlns:a16="http://schemas.microsoft.com/office/drawing/2014/main" id="{B2482E0C-A5D2-5747-9B5C-8D1BBA5823F5}"/>
               </a:ext>
             </a:extLst>
           </p:cNvPr>
@@ -4995,7 +5011,7 @@
           <p:cNvPr id="14" name="TextBox 13">
             <a:extLst>
               <a:ext uri="{FF2B5EF4-FFF2-40B4-BE49-F238E27FC236}">
-                <a16:creationId xmlns:a16="http://schemas.microsoft.com/office/drawing/2014/main" id="{8FCB8AD6-B591-B242-B23C-CF2C744C63C1}"/>
+                <a16:creationId xmlns="" xmlns:a16="http://schemas.microsoft.com/office/drawing/2014/main" id="{8FCB8AD6-B591-B242-B23C-CF2C744C63C1}"/>
               </a:ext>
             </a:extLst>
           </p:cNvPr>
@@ -5049,6 +5065,22 @@
                 <a:cs typeface="Franklin Gothic Medium" charset="0"/>
               </a:rPr>
               <a:t>Schlather</a:t>
+            </a:r>
+            <a:r>
+              <a:rPr lang="de-DE" sz="1400">
+                <a:solidFill>
+                  <a:schemeClr val="bg1">
+                    <a:alpha val="84000"/>
+                  </a:schemeClr>
+                </a:solidFill>
+                <a:effectLst>
+                  <a:reflection endPos="0" dist="50800" dir="5400000" sy="-100000" algn="bl" rotWithShape="0"/>
+                </a:effectLst>
+                <a:latin typeface="Franklin Gothic Medium" charset="0"/>
+                <a:ea typeface="Franklin Gothic Medium" charset="0"/>
+                <a:cs typeface="Franklin Gothic Medium" charset="0"/>
+              </a:rPr>
+              <a:t/>
             </a:r>
             <a:br>
               <a:rPr lang="de-DE" sz="1400">
@@ -5089,7 +5121,7 @@
           <p:cNvPr id="15" name="TextBox 14">
             <a:extLst>
               <a:ext uri="{FF2B5EF4-FFF2-40B4-BE49-F238E27FC236}">
-                <a16:creationId xmlns:a16="http://schemas.microsoft.com/office/drawing/2014/main" id="{4303B698-424C-144B-BEC8-AEDD48BAAE71}"/>
+                <a16:creationId xmlns="" xmlns:a16="http://schemas.microsoft.com/office/drawing/2014/main" id="{4303B698-424C-144B-BEC8-AEDD48BAAE71}"/>
               </a:ext>
             </a:extLst>
           </p:cNvPr>
@@ -5168,7 +5200,7 @@
           <p:cNvPr id="16" name="Picture 15">
             <a:extLst>
               <a:ext uri="{FF2B5EF4-FFF2-40B4-BE49-F238E27FC236}">
-                <a16:creationId xmlns:a16="http://schemas.microsoft.com/office/drawing/2014/main" id="{267E7131-E132-F34E-93FF-61541EC37239}"/>
+                <a16:creationId xmlns="" xmlns:a16="http://schemas.microsoft.com/office/drawing/2014/main" id="{267E7131-E132-F34E-93FF-61541EC37239}"/>
               </a:ext>
             </a:extLst>
           </p:cNvPr>
@@ -5223,7 +5255,7 @@
           <p:cNvPr id="7" name="Picture 6" descr="A picture containing graphical user interface&#10;&#10;Description automatically generated">
             <a:extLst>
               <a:ext uri="{FF2B5EF4-FFF2-40B4-BE49-F238E27FC236}">
-                <a16:creationId xmlns:a16="http://schemas.microsoft.com/office/drawing/2014/main" id="{B4BB6E86-0170-7A46-9CF7-547F8DA0F83B}"/>
+                <a16:creationId xmlns="" xmlns:a16="http://schemas.microsoft.com/office/drawing/2014/main" id="{B4BB6E86-0170-7A46-9CF7-547F8DA0F83B}"/>
               </a:ext>
             </a:extLst>
           </p:cNvPr>
@@ -5283,7 +5315,7 @@
           <p:cNvPr id="2" name="Picture 1">
             <a:extLst>
               <a:ext uri="{FF2B5EF4-FFF2-40B4-BE49-F238E27FC236}">
-                <a16:creationId xmlns:a16="http://schemas.microsoft.com/office/drawing/2014/main" id="{EF15339A-358A-4B87-AE87-642DBC2C9733}"/>
+                <a16:creationId xmlns="" xmlns:a16="http://schemas.microsoft.com/office/drawing/2014/main" id="{EF15339A-358A-4B87-AE87-642DBC2C9733}"/>
               </a:ext>
             </a:extLst>
           </p:cNvPr>
@@ -5318,7 +5350,7 @@
           <p:cNvPr id="17" name="Gruppieren 16">
             <a:extLst>
               <a:ext uri="{FF2B5EF4-FFF2-40B4-BE49-F238E27FC236}">
-                <a16:creationId xmlns:a16="http://schemas.microsoft.com/office/drawing/2014/main" id="{5303F8A0-6F31-384F-BF6E-34B5F6E8C439}"/>
+                <a16:creationId xmlns="" xmlns:a16="http://schemas.microsoft.com/office/drawing/2014/main" id="{5303F8A0-6F31-384F-BF6E-34B5F6E8C439}"/>
               </a:ext>
             </a:extLst>
           </p:cNvPr>
@@ -5338,7 +5370,7 @@
             <p:cNvPr id="9" name="TextBox 8">
               <a:extLst>
                 <a:ext uri="{FF2B5EF4-FFF2-40B4-BE49-F238E27FC236}">
-                  <a16:creationId xmlns:a16="http://schemas.microsoft.com/office/drawing/2014/main" id="{B2482E0C-A5D2-5747-9B5C-8D1BBA5823F5}"/>
+                  <a16:creationId xmlns="" xmlns:a16="http://schemas.microsoft.com/office/drawing/2014/main" id="{B2482E0C-A5D2-5747-9B5C-8D1BBA5823F5}"/>
                 </a:ext>
               </a:extLst>
             </p:cNvPr>
@@ -5416,7 +5448,7 @@
             <p:cNvPr id="14" name="TextBox 13">
               <a:extLst>
                 <a:ext uri="{FF2B5EF4-FFF2-40B4-BE49-F238E27FC236}">
-                  <a16:creationId xmlns:a16="http://schemas.microsoft.com/office/drawing/2014/main" id="{8FCB8AD6-B591-B242-B23C-CF2C744C63C1}"/>
+                  <a16:creationId xmlns="" xmlns:a16="http://schemas.microsoft.com/office/drawing/2014/main" id="{8FCB8AD6-B591-B242-B23C-CF2C744C63C1}"/>
                 </a:ext>
               </a:extLst>
             </p:cNvPr>
@@ -5471,6 +5503,22 @@
                 </a:rPr>
                 <a:t>Schlather</a:t>
               </a:r>
+              <a:r>
+                <a:rPr lang="de-DE" sz="1400">
+                  <a:solidFill>
+                    <a:schemeClr val="bg1">
+                      <a:alpha val="84000"/>
+                    </a:schemeClr>
+                  </a:solidFill>
+                  <a:effectLst>
+                    <a:reflection endPos="0" dist="50800" dir="5400000" sy="-100000" algn="bl" rotWithShape="0"/>
+                  </a:effectLst>
+                  <a:latin typeface="Franklin Gothic Medium" charset="0"/>
+                  <a:ea typeface="Franklin Gothic Medium" charset="0"/>
+                  <a:cs typeface="Franklin Gothic Medium" charset="0"/>
+                </a:rPr>
+                <a:t/>
+              </a:r>
               <a:br>
                 <a:rPr lang="de-DE" sz="1400">
                   <a:solidFill>
@@ -5511,7 +5559,7 @@
           <p:cNvPr id="16" name="Picture 15">
             <a:extLst>
               <a:ext uri="{FF2B5EF4-FFF2-40B4-BE49-F238E27FC236}">
-                <a16:creationId xmlns:a16="http://schemas.microsoft.com/office/drawing/2014/main" id="{267E7131-E132-F34E-93FF-61541EC37239}"/>
+                <a16:creationId xmlns="" xmlns:a16="http://schemas.microsoft.com/office/drawing/2014/main" id="{267E7131-E132-F34E-93FF-61541EC37239}"/>
               </a:ext>
             </a:extLst>
           </p:cNvPr>
@@ -5566,7 +5614,7 @@
           <p:cNvPr id="18" name="Straight Connector 12">
             <a:extLst>
               <a:ext uri="{FF2B5EF4-FFF2-40B4-BE49-F238E27FC236}">
-                <a16:creationId xmlns:a16="http://schemas.microsoft.com/office/drawing/2014/main" id="{F6BE8E65-9523-CD43-929A-CA9693F0ED77}"/>
+                <a16:creationId xmlns="" xmlns:a16="http://schemas.microsoft.com/office/drawing/2014/main" id="{F6BE8E65-9523-CD43-929A-CA9693F0ED77}"/>
               </a:ext>
             </a:extLst>
           </p:cNvPr>
@@ -5609,7 +5657,7 @@
           <p:cNvPr id="19" name="Text Placeholder 4">
             <a:extLst>
               <a:ext uri="{FF2B5EF4-FFF2-40B4-BE49-F238E27FC236}">
-                <a16:creationId xmlns:a16="http://schemas.microsoft.com/office/drawing/2014/main" id="{69E0C36E-38D8-BD47-A395-97F720BAA552}"/>
+                <a16:creationId xmlns="" xmlns:a16="http://schemas.microsoft.com/office/drawing/2014/main" id="{69E0C36E-38D8-BD47-A395-97F720BAA552}"/>
               </a:ext>
             </a:extLst>
           </p:cNvPr>
@@ -5754,7 +5802,7 @@
           <p:cNvPr id="20" name="Grafik 19">
             <a:extLst>
               <a:ext uri="{FF2B5EF4-FFF2-40B4-BE49-F238E27FC236}">
-                <a16:creationId xmlns:a16="http://schemas.microsoft.com/office/drawing/2014/main" id="{968AB829-446C-4148-BB80-2CDD81B4FB33}"/>
+                <a16:creationId xmlns="" xmlns:a16="http://schemas.microsoft.com/office/drawing/2014/main" id="{968AB829-446C-4148-BB80-2CDD81B4FB33}"/>
               </a:ext>
             </a:extLst>
           </p:cNvPr>
@@ -5822,7 +5870,7 @@
           <p:cNvPr id="6" name="Picture 5">
             <a:extLst>
               <a:ext uri="{FF2B5EF4-FFF2-40B4-BE49-F238E27FC236}">
-                <a16:creationId xmlns:a16="http://schemas.microsoft.com/office/drawing/2014/main" id="{02059649-B7E3-6743-8423-D5E469571261}"/>
+                <a16:creationId xmlns="" xmlns:a16="http://schemas.microsoft.com/office/drawing/2014/main" id="{02059649-B7E3-6743-8423-D5E469571261}"/>
               </a:ext>
             </a:extLst>
           </p:cNvPr>
@@ -5857,7 +5905,7 @@
           <p:cNvPr id="10" name="Group 9">
             <a:extLst>
               <a:ext uri="{FF2B5EF4-FFF2-40B4-BE49-F238E27FC236}">
-                <a16:creationId xmlns:a16="http://schemas.microsoft.com/office/drawing/2014/main" id="{4BF39026-880D-434E-8E06-F2FE5A25FFCB}"/>
+                <a16:creationId xmlns="" xmlns:a16="http://schemas.microsoft.com/office/drawing/2014/main" id="{4BF39026-880D-434E-8E06-F2FE5A25FFCB}"/>
               </a:ext>
             </a:extLst>
           </p:cNvPr>
@@ -5877,7 +5925,7 @@
             <p:cNvPr id="11" name="TextBox 10">
               <a:extLst>
                 <a:ext uri="{FF2B5EF4-FFF2-40B4-BE49-F238E27FC236}">
-                  <a16:creationId xmlns:a16="http://schemas.microsoft.com/office/drawing/2014/main" id="{65FEFF35-672C-E24B-A6F6-E7CFCBEB7DA3}"/>
+                  <a16:creationId xmlns="" xmlns:a16="http://schemas.microsoft.com/office/drawing/2014/main" id="{65FEFF35-672C-E24B-A6F6-E7CFCBEB7DA3}"/>
                 </a:ext>
               </a:extLst>
             </p:cNvPr>
@@ -5924,7 +5972,7 @@
             <p:cNvPr id="12" name="TextBox 11">
               <a:extLst>
                 <a:ext uri="{FF2B5EF4-FFF2-40B4-BE49-F238E27FC236}">
-                  <a16:creationId xmlns:a16="http://schemas.microsoft.com/office/drawing/2014/main" id="{B04C9B59-FAB7-C146-8339-15BBFC9451EE}"/>
+                  <a16:creationId xmlns="" xmlns:a16="http://schemas.microsoft.com/office/drawing/2014/main" id="{B04C9B59-FAB7-C146-8339-15BBFC9451EE}"/>
                 </a:ext>
               </a:extLst>
             </p:cNvPr>
@@ -5971,7 +6019,7 @@
             <p:cNvPr id="13" name="Straight Connector 12">
               <a:extLst>
                 <a:ext uri="{FF2B5EF4-FFF2-40B4-BE49-F238E27FC236}">
-                  <a16:creationId xmlns:a16="http://schemas.microsoft.com/office/drawing/2014/main" id="{13ACDF77-DA21-A943-BC8C-9251E8353934}"/>
+                  <a16:creationId xmlns="" xmlns:a16="http://schemas.microsoft.com/office/drawing/2014/main" id="{13ACDF77-DA21-A943-BC8C-9251E8353934}"/>
                 </a:ext>
               </a:extLst>
             </p:cNvPr>
@@ -6015,7 +6063,7 @@
           <p:cNvPr id="16" name="Picture 15">
             <a:extLst>
               <a:ext uri="{FF2B5EF4-FFF2-40B4-BE49-F238E27FC236}">
-                <a16:creationId xmlns:a16="http://schemas.microsoft.com/office/drawing/2014/main" id="{267E7131-E132-F34E-93FF-61541EC37239}"/>
+                <a16:creationId xmlns="" xmlns:a16="http://schemas.microsoft.com/office/drawing/2014/main" id="{267E7131-E132-F34E-93FF-61541EC37239}"/>
               </a:ext>
             </a:extLst>
           </p:cNvPr>
@@ -6151,7 +6199,7 @@
           <p:cNvPr id="4" name="Text Placeholder 3">
             <a:extLst>
               <a:ext uri="{FF2B5EF4-FFF2-40B4-BE49-F238E27FC236}">
-                <a16:creationId xmlns:a16="http://schemas.microsoft.com/office/drawing/2014/main" id="{E62CEF8B-0687-4B3B-AE43-CB1307B4705A}"/>
+                <a16:creationId xmlns="" xmlns:a16="http://schemas.microsoft.com/office/drawing/2014/main" id="{E62CEF8B-0687-4B3B-AE43-CB1307B4705A}"/>
               </a:ext>
             </a:extLst>
           </p:cNvPr>
@@ -6212,7 +6260,7 @@
               <a:rPr lang="en-US" err="1"/>
               <a:t>einzeilig</a:t>
             </a:r>
-            <a:endParaRPr lang="en-DE"/>
+            <a:endParaRPr lang="aa-ET"/>
           </a:p>
         </p:txBody>
       </p:sp>
@@ -6221,7 +6269,7 @@
           <p:cNvPr id="19" name="Text Placeholder 3">
             <a:extLst>
               <a:ext uri="{FF2B5EF4-FFF2-40B4-BE49-F238E27FC236}">
-                <a16:creationId xmlns:a16="http://schemas.microsoft.com/office/drawing/2014/main" id="{4009A2D0-8157-4F03-951E-B5892C174151}"/>
+                <a16:creationId xmlns="" xmlns:a16="http://schemas.microsoft.com/office/drawing/2014/main" id="{4009A2D0-8157-4F03-951E-B5892C174151}"/>
               </a:ext>
             </a:extLst>
           </p:cNvPr>
@@ -6282,7 +6330,7 @@
               <a:rPr lang="en-US" err="1"/>
               <a:t>zweizeilig</a:t>
             </a:r>
-            <a:endParaRPr lang="en-DE"/>
+            <a:endParaRPr lang="aa-ET"/>
           </a:p>
         </p:txBody>
       </p:sp>
@@ -6291,7 +6339,7 @@
           <p:cNvPr id="18" name="Gruppieren 17">
             <a:extLst>
               <a:ext uri="{FF2B5EF4-FFF2-40B4-BE49-F238E27FC236}">
-                <a16:creationId xmlns:a16="http://schemas.microsoft.com/office/drawing/2014/main" id="{54CF4DB9-9E8F-7841-B8A6-F5CDB9CEC8D9}"/>
+                <a16:creationId xmlns="" xmlns:a16="http://schemas.microsoft.com/office/drawing/2014/main" id="{54CF4DB9-9E8F-7841-B8A6-F5CDB9CEC8D9}"/>
               </a:ext>
             </a:extLst>
           </p:cNvPr>
@@ -6311,7 +6359,7 @@
             <p:cNvPr id="20" name="TextBox 8">
               <a:extLst>
                 <a:ext uri="{FF2B5EF4-FFF2-40B4-BE49-F238E27FC236}">
-                  <a16:creationId xmlns:a16="http://schemas.microsoft.com/office/drawing/2014/main" id="{2C68254B-FE5E-0645-9D41-9B1EE8C644EC}"/>
+                  <a16:creationId xmlns="" xmlns:a16="http://schemas.microsoft.com/office/drawing/2014/main" id="{2C68254B-FE5E-0645-9D41-9B1EE8C644EC}"/>
                 </a:ext>
               </a:extLst>
             </p:cNvPr>
@@ -6389,7 +6437,7 @@
             <p:cNvPr id="21" name="TextBox 13">
               <a:extLst>
                 <a:ext uri="{FF2B5EF4-FFF2-40B4-BE49-F238E27FC236}">
-                  <a16:creationId xmlns:a16="http://schemas.microsoft.com/office/drawing/2014/main" id="{DD2DE381-D5DA-0141-972C-681ECC794109}"/>
+                  <a16:creationId xmlns="" xmlns:a16="http://schemas.microsoft.com/office/drawing/2014/main" id="{DD2DE381-D5DA-0141-972C-681ECC794109}"/>
                 </a:ext>
               </a:extLst>
             </p:cNvPr>
@@ -6443,6 +6491,22 @@
                   <a:cs typeface="Franklin Gothic Medium" charset="0"/>
                 </a:rPr>
                 <a:t>Schlather</a:t>
+              </a:r>
+              <a:r>
+                <a:rPr lang="de-DE" sz="1400">
+                  <a:solidFill>
+                    <a:schemeClr val="bg1">
+                      <a:alpha val="84000"/>
+                    </a:schemeClr>
+                  </a:solidFill>
+                  <a:effectLst>
+                    <a:reflection endPos="0" dist="50800" dir="5400000" sy="-100000" algn="bl" rotWithShape="0"/>
+                  </a:effectLst>
+                  <a:latin typeface="Franklin Gothic Medium" charset="0"/>
+                  <a:ea typeface="Franklin Gothic Medium" charset="0"/>
+                  <a:cs typeface="Franklin Gothic Medium" charset="0"/>
+                </a:rPr>
+                <a:t/>
               </a:r>
               <a:br>
                 <a:rPr lang="de-DE" sz="1400">
@@ -6840,7 +6904,7 @@
           <p:cNvPr id="4" name="TextBox 3">
             <a:extLst>
               <a:ext uri="{FF2B5EF4-FFF2-40B4-BE49-F238E27FC236}">
-                <a16:creationId xmlns:a16="http://schemas.microsoft.com/office/drawing/2014/main" id="{5ECB3F67-A4A6-4E70-B2AA-9321778BA6A4}"/>
+                <a16:creationId xmlns="" xmlns:a16="http://schemas.microsoft.com/office/drawing/2014/main" id="{5ECB3F67-A4A6-4E70-B2AA-9321778BA6A4}"/>
               </a:ext>
             </a:extLst>
           </p:cNvPr>
@@ -6886,7 +6950,7 @@
           <p:cNvPr id="16" name="TextBox 17">
             <a:extLst>
               <a:ext uri="{FF2B5EF4-FFF2-40B4-BE49-F238E27FC236}">
-                <a16:creationId xmlns:a16="http://schemas.microsoft.com/office/drawing/2014/main" id="{CE431B4B-DF43-CE48-B82E-FFBDB9D4A53F}"/>
+                <a16:creationId xmlns="" xmlns:a16="http://schemas.microsoft.com/office/drawing/2014/main" id="{CE431B4B-DF43-CE48-B82E-FFBDB9D4A53F}"/>
               </a:ext>
             </a:extLst>
           </p:cNvPr>
@@ -6933,7 +6997,7 @@
           <p:cNvPr id="19" name="Grafik 18">
             <a:extLst>
               <a:ext uri="{FF2B5EF4-FFF2-40B4-BE49-F238E27FC236}">
-                <a16:creationId xmlns:a16="http://schemas.microsoft.com/office/drawing/2014/main" id="{BBD05712-E5B9-724E-BF9C-7E8829F909BF}"/>
+                <a16:creationId xmlns="" xmlns:a16="http://schemas.microsoft.com/office/drawing/2014/main" id="{BBD05712-E5B9-724E-BF9C-7E8829F909BF}"/>
               </a:ext>
             </a:extLst>
           </p:cNvPr>
@@ -7033,7 +7097,7 @@
           <p:cNvPr id="12" name="Text Placeholder 10">
             <a:extLst>
               <a:ext uri="{FF2B5EF4-FFF2-40B4-BE49-F238E27FC236}">
-                <a16:creationId xmlns:a16="http://schemas.microsoft.com/office/drawing/2014/main" id="{BB6082BA-B052-4397-8115-CBBDD5470B8A}"/>
+                <a16:creationId xmlns="" xmlns:a16="http://schemas.microsoft.com/office/drawing/2014/main" id="{BB6082BA-B052-4397-8115-CBBDD5470B8A}"/>
               </a:ext>
             </a:extLst>
           </p:cNvPr>
@@ -7097,7 +7161,7 @@
           <p:cNvPr id="15" name="Title Placeholder 1">
             <a:extLst>
               <a:ext uri="{FF2B5EF4-FFF2-40B4-BE49-F238E27FC236}">
-                <a16:creationId xmlns:a16="http://schemas.microsoft.com/office/drawing/2014/main" id="{3302698F-2D25-467A-B9AD-381A81FB383B}"/>
+                <a16:creationId xmlns="" xmlns:a16="http://schemas.microsoft.com/office/drawing/2014/main" id="{3302698F-2D25-467A-B9AD-381A81FB383B}"/>
               </a:ext>
             </a:extLst>
           </p:cNvPr>
@@ -7153,7 +7217,7 @@
           <p:cNvPr id="6" name="Text Placeholder 5">
             <a:extLst>
               <a:ext uri="{FF2B5EF4-FFF2-40B4-BE49-F238E27FC236}">
-                <a16:creationId xmlns:a16="http://schemas.microsoft.com/office/drawing/2014/main" id="{DEA3FCEA-3E52-4990-8EBD-7DF5C2C30EE6}"/>
+                <a16:creationId xmlns="" xmlns:a16="http://schemas.microsoft.com/office/drawing/2014/main" id="{DEA3FCEA-3E52-4990-8EBD-7DF5C2C30EE6}"/>
               </a:ext>
             </a:extLst>
           </p:cNvPr>
@@ -7348,7 +7412,7 @@
           <p:cNvPr id="15" name="Title Placeholder 1">
             <a:extLst>
               <a:ext uri="{FF2B5EF4-FFF2-40B4-BE49-F238E27FC236}">
-                <a16:creationId xmlns:a16="http://schemas.microsoft.com/office/drawing/2014/main" id="{3302698F-2D25-467A-B9AD-381A81FB383B}"/>
+                <a16:creationId xmlns="" xmlns:a16="http://schemas.microsoft.com/office/drawing/2014/main" id="{3302698F-2D25-467A-B9AD-381A81FB383B}"/>
               </a:ext>
             </a:extLst>
           </p:cNvPr>
@@ -7412,7 +7476,7 @@
           <p:cNvPr id="5" name="Text Placeholder 10">
             <a:extLst>
               <a:ext uri="{FF2B5EF4-FFF2-40B4-BE49-F238E27FC236}">
-                <a16:creationId xmlns:a16="http://schemas.microsoft.com/office/drawing/2014/main" id="{CA396F4E-3418-468E-B8B5-F693482FDFF5}"/>
+                <a16:creationId xmlns="" xmlns:a16="http://schemas.microsoft.com/office/drawing/2014/main" id="{CA396F4E-3418-468E-B8B5-F693482FDFF5}"/>
               </a:ext>
             </a:extLst>
           </p:cNvPr>
@@ -7556,7 +7620,7 @@
           <p:cNvPr id="12" name="Text Placeholder 10">
             <a:extLst>
               <a:ext uri="{FF2B5EF4-FFF2-40B4-BE49-F238E27FC236}">
-                <a16:creationId xmlns:a16="http://schemas.microsoft.com/office/drawing/2014/main" id="{BB6082BA-B052-4397-8115-CBBDD5470B8A}"/>
+                <a16:creationId xmlns="" xmlns:a16="http://schemas.microsoft.com/office/drawing/2014/main" id="{BB6082BA-B052-4397-8115-CBBDD5470B8A}"/>
               </a:ext>
             </a:extLst>
           </p:cNvPr>
@@ -7619,7 +7683,7 @@
           <p:cNvPr id="15" name="Title Placeholder 1">
             <a:extLst>
               <a:ext uri="{FF2B5EF4-FFF2-40B4-BE49-F238E27FC236}">
-                <a16:creationId xmlns:a16="http://schemas.microsoft.com/office/drawing/2014/main" id="{3302698F-2D25-467A-B9AD-381A81FB383B}"/>
+                <a16:creationId xmlns="" xmlns:a16="http://schemas.microsoft.com/office/drawing/2014/main" id="{3302698F-2D25-467A-B9AD-381A81FB383B}"/>
               </a:ext>
             </a:extLst>
           </p:cNvPr>
@@ -7718,7 +7782,7 @@
           <p:cNvPr id="5" name="Rechteck 4">
             <a:extLst>
               <a:ext uri="{FF2B5EF4-FFF2-40B4-BE49-F238E27FC236}">
-                <a16:creationId xmlns:a16="http://schemas.microsoft.com/office/drawing/2014/main" id="{161F3307-D1F4-0B45-AEE7-695EEB1944F5}"/>
+                <a16:creationId xmlns="" xmlns:a16="http://schemas.microsoft.com/office/drawing/2014/main" id="{161F3307-D1F4-0B45-AEE7-695EEB1944F5}"/>
               </a:ext>
             </a:extLst>
           </p:cNvPr>
@@ -7770,7 +7834,7 @@
           <p:cNvPr id="4" name="Foliennummernplatzhalter 3">
             <a:extLst>
               <a:ext uri="{FF2B5EF4-FFF2-40B4-BE49-F238E27FC236}">
-                <a16:creationId xmlns:a16="http://schemas.microsoft.com/office/drawing/2014/main" id="{642359ED-EFA5-5146-AFF7-7834E4BA5FC6}"/>
+                <a16:creationId xmlns="" xmlns:a16="http://schemas.microsoft.com/office/drawing/2014/main" id="{642359ED-EFA5-5146-AFF7-7834E4BA5FC6}"/>
               </a:ext>
             </a:extLst>
           </p:cNvPr>
@@ -7800,7 +7864,7 @@
           <p:cNvPr id="6" name="Foliennummernplatzhalter 5">
             <a:extLst>
               <a:ext uri="{FF2B5EF4-FFF2-40B4-BE49-F238E27FC236}">
-                <a16:creationId xmlns:a16="http://schemas.microsoft.com/office/drawing/2014/main" id="{BEF38DE8-670A-D148-823A-D6E76CF469C1}"/>
+                <a16:creationId xmlns="" xmlns:a16="http://schemas.microsoft.com/office/drawing/2014/main" id="{BEF38DE8-670A-D148-823A-D6E76CF469C1}"/>
               </a:ext>
             </a:extLst>
           </p:cNvPr>
@@ -7938,7 +8002,7 @@
           <p:cNvPr id="8" name="Gerade Verbindung 7">
             <a:extLst>
               <a:ext uri="{FF2B5EF4-FFF2-40B4-BE49-F238E27FC236}">
-                <a16:creationId xmlns:a16="http://schemas.microsoft.com/office/drawing/2014/main" id="{D276084B-A682-3F4B-ACC0-777DA934FA31}"/>
+                <a16:creationId xmlns="" xmlns:a16="http://schemas.microsoft.com/office/drawing/2014/main" id="{D276084B-A682-3F4B-ACC0-777DA934FA31}"/>
               </a:ext>
             </a:extLst>
           </p:cNvPr>
@@ -7981,7 +8045,7 @@
           <p:cNvPr id="10" name="Text Placeholder 9">
             <a:extLst>
               <a:ext uri="{FF2B5EF4-FFF2-40B4-BE49-F238E27FC236}">
-                <a16:creationId xmlns:a16="http://schemas.microsoft.com/office/drawing/2014/main" id="{B6862A27-5C7F-154F-BA2B-A3786486872D}"/>
+                <a16:creationId xmlns="" xmlns:a16="http://schemas.microsoft.com/office/drawing/2014/main" id="{B6862A27-5C7F-154F-BA2B-A3786486872D}"/>
               </a:ext>
             </a:extLst>
           </p:cNvPr>
@@ -8066,7 +8130,7 @@
           <p:cNvPr id="16" name="Text Placeholder 15">
             <a:extLst>
               <a:ext uri="{FF2B5EF4-FFF2-40B4-BE49-F238E27FC236}">
-                <a16:creationId xmlns:a16="http://schemas.microsoft.com/office/drawing/2014/main" id="{867B5934-42E2-DB47-B50F-88B6C833C105}"/>
+                <a16:creationId xmlns="" xmlns:a16="http://schemas.microsoft.com/office/drawing/2014/main" id="{867B5934-42E2-DB47-B50F-88B6C833C105}"/>
               </a:ext>
             </a:extLst>
           </p:cNvPr>
@@ -8208,7 +8272,7 @@
           <p:cNvPr id="19" name="Textplatzhalter 18">
             <a:extLst>
               <a:ext uri="{FF2B5EF4-FFF2-40B4-BE49-F238E27FC236}">
-                <a16:creationId xmlns:a16="http://schemas.microsoft.com/office/drawing/2014/main" id="{EDBD5F90-3637-1640-A0B2-EBC85612232A}"/>
+                <a16:creationId xmlns="" xmlns:a16="http://schemas.microsoft.com/office/drawing/2014/main" id="{EDBD5F90-3637-1640-A0B2-EBC85612232A}"/>
               </a:ext>
             </a:extLst>
           </p:cNvPr>
@@ -8256,7 +8320,7 @@
           <p:cNvPr id="2" name="TextBox 1">
             <a:extLst>
               <a:ext uri="{FF2B5EF4-FFF2-40B4-BE49-F238E27FC236}">
-                <a16:creationId xmlns:a16="http://schemas.microsoft.com/office/drawing/2014/main" id="{C723EF6D-8AE8-443E-960E-C77FECF31374}"/>
+                <a16:creationId xmlns="" xmlns:a16="http://schemas.microsoft.com/office/drawing/2014/main" id="{C723EF6D-8AE8-443E-960E-C77FECF31374}"/>
               </a:ext>
             </a:extLst>
           </p:cNvPr>
@@ -8302,7 +8366,7 @@
           <p:cNvPr id="22" name="Gruppieren 21">
             <a:extLst>
               <a:ext uri="{FF2B5EF4-FFF2-40B4-BE49-F238E27FC236}">
-                <a16:creationId xmlns:a16="http://schemas.microsoft.com/office/drawing/2014/main" id="{C3EA00E5-C937-3043-9731-A920CA7A24AA}"/>
+                <a16:creationId xmlns="" xmlns:a16="http://schemas.microsoft.com/office/drawing/2014/main" id="{C3EA00E5-C937-3043-9731-A920CA7A24AA}"/>
               </a:ext>
             </a:extLst>
           </p:cNvPr>
@@ -8322,7 +8386,7 @@
             <p:cNvPr id="23" name="TextBox 17">
               <a:extLst>
                 <a:ext uri="{FF2B5EF4-FFF2-40B4-BE49-F238E27FC236}">
-                  <a16:creationId xmlns:a16="http://schemas.microsoft.com/office/drawing/2014/main" id="{D196D074-6B8D-0D49-BBAE-3549956770AC}"/>
+                  <a16:creationId xmlns="" xmlns:a16="http://schemas.microsoft.com/office/drawing/2014/main" id="{D196D074-6B8D-0D49-BBAE-3549956770AC}"/>
                 </a:ext>
               </a:extLst>
             </p:cNvPr>
@@ -8369,7 +8433,7 @@
             <p:cNvPr id="24" name="Grafik 23">
               <a:extLst>
                 <a:ext uri="{FF2B5EF4-FFF2-40B4-BE49-F238E27FC236}">
-                  <a16:creationId xmlns:a16="http://schemas.microsoft.com/office/drawing/2014/main" id="{7BA71A35-2DCD-1440-A772-43D8F75EEBB8}"/>
+                  <a16:creationId xmlns="" xmlns:a16="http://schemas.microsoft.com/office/drawing/2014/main" id="{7BA71A35-2DCD-1440-A772-43D8F75EEBB8}"/>
                 </a:ext>
               </a:extLst>
             </p:cNvPr>
@@ -8481,7 +8545,7 @@
           <p:cNvPr id="15" name="Title Placeholder 1">
             <a:extLst>
               <a:ext uri="{FF2B5EF4-FFF2-40B4-BE49-F238E27FC236}">
-                <a16:creationId xmlns:a16="http://schemas.microsoft.com/office/drawing/2014/main" id="{3302698F-2D25-467A-B9AD-381A81FB383B}"/>
+                <a16:creationId xmlns="" xmlns:a16="http://schemas.microsoft.com/office/drawing/2014/main" id="{3302698F-2D25-467A-B9AD-381A81FB383B}"/>
               </a:ext>
             </a:extLst>
           </p:cNvPr>
@@ -8538,7 +8602,7 @@
           <p:cNvPr id="5" name="Gruppieren 69">
             <a:extLst>
               <a:ext uri="{FF2B5EF4-FFF2-40B4-BE49-F238E27FC236}">
-                <a16:creationId xmlns:a16="http://schemas.microsoft.com/office/drawing/2014/main" id="{32FF8D2D-8EF5-42D9-B5B0-F72B1F513D04}"/>
+                <a16:creationId xmlns="" xmlns:a16="http://schemas.microsoft.com/office/drawing/2014/main" id="{32FF8D2D-8EF5-42D9-B5B0-F72B1F513D04}"/>
               </a:ext>
             </a:extLst>
           </p:cNvPr>
@@ -8558,7 +8622,7 @@
             <p:cNvPr id="6" name="Rectangle 21">
               <a:extLst>
                 <a:ext uri="{FF2B5EF4-FFF2-40B4-BE49-F238E27FC236}">
-                  <a16:creationId xmlns:a16="http://schemas.microsoft.com/office/drawing/2014/main" id="{CB6332B0-6103-4B62-8DB5-660FD8258A34}"/>
+                  <a16:creationId xmlns="" xmlns:a16="http://schemas.microsoft.com/office/drawing/2014/main" id="{CB6332B0-6103-4B62-8DB5-660FD8258A34}"/>
                 </a:ext>
               </a:extLst>
             </p:cNvPr>
@@ -8643,7 +8707,7 @@
             <p:cNvPr id="8" name="Rectangle 23">
               <a:extLst>
                 <a:ext uri="{FF2B5EF4-FFF2-40B4-BE49-F238E27FC236}">
-                  <a16:creationId xmlns:a16="http://schemas.microsoft.com/office/drawing/2014/main" id="{9A25FB4E-EBC0-4BC7-987D-5CA91B0E3B52}"/>
+                  <a16:creationId xmlns="" xmlns:a16="http://schemas.microsoft.com/office/drawing/2014/main" id="{9A25FB4E-EBC0-4BC7-987D-5CA91B0E3B52}"/>
                 </a:ext>
               </a:extLst>
             </p:cNvPr>
@@ -8731,7 +8795,7 @@
           <p:cNvPr id="9" name="Gruppieren 64">
             <a:extLst>
               <a:ext uri="{FF2B5EF4-FFF2-40B4-BE49-F238E27FC236}">
-                <a16:creationId xmlns:a16="http://schemas.microsoft.com/office/drawing/2014/main" id="{5FF6FD85-5420-4EA8-BDFD-37A29E638728}"/>
+                <a16:creationId xmlns="" xmlns:a16="http://schemas.microsoft.com/office/drawing/2014/main" id="{5FF6FD85-5420-4EA8-BDFD-37A29E638728}"/>
               </a:ext>
             </a:extLst>
           </p:cNvPr>
@@ -8751,7 +8815,7 @@
             <p:cNvPr id="11" name="Rectangle 21">
               <a:extLst>
                 <a:ext uri="{FF2B5EF4-FFF2-40B4-BE49-F238E27FC236}">
-                  <a16:creationId xmlns:a16="http://schemas.microsoft.com/office/drawing/2014/main" id="{A1EE4319-37DA-40E8-B384-ECD43EDE1F91}"/>
+                  <a16:creationId xmlns="" xmlns:a16="http://schemas.microsoft.com/office/drawing/2014/main" id="{A1EE4319-37DA-40E8-B384-ECD43EDE1F91}"/>
                 </a:ext>
               </a:extLst>
             </p:cNvPr>
@@ -8836,7 +8900,7 @@
             <p:cNvPr id="14" name="Rectangle 23">
               <a:extLst>
                 <a:ext uri="{FF2B5EF4-FFF2-40B4-BE49-F238E27FC236}">
-                  <a16:creationId xmlns:a16="http://schemas.microsoft.com/office/drawing/2014/main" id="{04F80292-116D-4CE5-BCAF-327F7562D165}"/>
+                  <a16:creationId xmlns="" xmlns:a16="http://schemas.microsoft.com/office/drawing/2014/main" id="{04F80292-116D-4CE5-BCAF-327F7562D165}"/>
                 </a:ext>
               </a:extLst>
             </p:cNvPr>
@@ -8924,7 +8988,7 @@
           <p:cNvPr id="16" name="Picture 2">
             <a:extLst>
               <a:ext uri="{FF2B5EF4-FFF2-40B4-BE49-F238E27FC236}">
-                <a16:creationId xmlns:a16="http://schemas.microsoft.com/office/drawing/2014/main" id="{DC6A3A43-5E44-40C0-A514-C562004DB4D9}"/>
+                <a16:creationId xmlns="" xmlns:a16="http://schemas.microsoft.com/office/drawing/2014/main" id="{DC6A3A43-5E44-40C0-A514-C562004DB4D9}"/>
               </a:ext>
             </a:extLst>
           </p:cNvPr>
@@ -8971,7 +9035,7 @@
           <p:cNvPr id="17" name="Picture 6">
             <a:extLst>
               <a:ext uri="{FF2B5EF4-FFF2-40B4-BE49-F238E27FC236}">
-                <a16:creationId xmlns:a16="http://schemas.microsoft.com/office/drawing/2014/main" id="{5EEAFBE4-9A8D-4103-BB61-BAD43254C1B4}"/>
+                <a16:creationId xmlns="" xmlns:a16="http://schemas.microsoft.com/office/drawing/2014/main" id="{5EEAFBE4-9A8D-4103-BB61-BAD43254C1B4}"/>
               </a:ext>
             </a:extLst>
           </p:cNvPr>
@@ -9018,7 +9082,7 @@
           <p:cNvPr id="18" name="Gruppieren 69">
             <a:extLst>
               <a:ext uri="{FF2B5EF4-FFF2-40B4-BE49-F238E27FC236}">
-                <a16:creationId xmlns:a16="http://schemas.microsoft.com/office/drawing/2014/main" id="{50238204-572D-4826-BEAB-E181A42306A2}"/>
+                <a16:creationId xmlns="" xmlns:a16="http://schemas.microsoft.com/office/drawing/2014/main" id="{50238204-572D-4826-BEAB-E181A42306A2}"/>
               </a:ext>
             </a:extLst>
           </p:cNvPr>
@@ -9038,7 +9102,7 @@
             <p:cNvPr id="19" name="Rectangle 18">
               <a:extLst>
                 <a:ext uri="{FF2B5EF4-FFF2-40B4-BE49-F238E27FC236}">
-                  <a16:creationId xmlns:a16="http://schemas.microsoft.com/office/drawing/2014/main" id="{15172F63-EA69-482D-AA09-D552FB44423B}"/>
+                  <a16:creationId xmlns="" xmlns:a16="http://schemas.microsoft.com/office/drawing/2014/main" id="{15172F63-EA69-482D-AA09-D552FB44423B}"/>
                 </a:ext>
               </a:extLst>
             </p:cNvPr>
@@ -9123,7 +9187,7 @@
             <p:cNvPr id="21" name="Rectangle 20">
               <a:extLst>
                 <a:ext uri="{FF2B5EF4-FFF2-40B4-BE49-F238E27FC236}">
-                  <a16:creationId xmlns:a16="http://schemas.microsoft.com/office/drawing/2014/main" id="{EDE140C3-1CA6-4458-9B51-C561E7A32D79}"/>
+                  <a16:creationId xmlns="" xmlns:a16="http://schemas.microsoft.com/office/drawing/2014/main" id="{EDE140C3-1CA6-4458-9B51-C561E7A32D79}"/>
                 </a:ext>
               </a:extLst>
             </p:cNvPr>
@@ -9219,7 +9283,7 @@
           <p:cNvPr id="22" name="Grafik 36">
             <a:extLst>
               <a:ext uri="{FF2B5EF4-FFF2-40B4-BE49-F238E27FC236}">
-                <a16:creationId xmlns:a16="http://schemas.microsoft.com/office/drawing/2014/main" id="{C068187C-1FD7-4E39-B1A6-4CBD4EA988DB}"/>
+                <a16:creationId xmlns="" xmlns:a16="http://schemas.microsoft.com/office/drawing/2014/main" id="{C068187C-1FD7-4E39-B1A6-4CBD4EA988DB}"/>
               </a:ext>
             </a:extLst>
           </p:cNvPr>
@@ -9249,7 +9313,7 @@
           <p:cNvPr id="3" name="Text Placeholder 2">
             <a:extLst>
               <a:ext uri="{FF2B5EF4-FFF2-40B4-BE49-F238E27FC236}">
-                <a16:creationId xmlns:a16="http://schemas.microsoft.com/office/drawing/2014/main" id="{96E5CC66-6A60-4633-B1E1-FBB6B88B568F}"/>
+                <a16:creationId xmlns="" xmlns:a16="http://schemas.microsoft.com/office/drawing/2014/main" id="{96E5CC66-6A60-4633-B1E1-FBB6B88B568F}"/>
               </a:ext>
             </a:extLst>
           </p:cNvPr>
@@ -9295,7 +9359,7 @@
           <p:cNvPr id="23" name="Text Placeholder 2">
             <a:extLst>
               <a:ext uri="{FF2B5EF4-FFF2-40B4-BE49-F238E27FC236}">
-                <a16:creationId xmlns:a16="http://schemas.microsoft.com/office/drawing/2014/main" id="{D33D59B7-679F-4BB1-B853-63061BD1AA05}"/>
+                <a16:creationId xmlns="" xmlns:a16="http://schemas.microsoft.com/office/drawing/2014/main" id="{D33D59B7-679F-4BB1-B853-63061BD1AA05}"/>
               </a:ext>
             </a:extLst>
           </p:cNvPr>
@@ -9341,7 +9405,7 @@
           <p:cNvPr id="24" name="Text Placeholder 2">
             <a:extLst>
               <a:ext uri="{FF2B5EF4-FFF2-40B4-BE49-F238E27FC236}">
-                <a16:creationId xmlns:a16="http://schemas.microsoft.com/office/drawing/2014/main" id="{D6CAF22A-7650-4C6F-AD11-C06919187575}"/>
+                <a16:creationId xmlns="" xmlns:a16="http://schemas.microsoft.com/office/drawing/2014/main" id="{D6CAF22A-7650-4C6F-AD11-C06919187575}"/>
               </a:ext>
             </a:extLst>
           </p:cNvPr>
@@ -9390,7 +9454,7 @@
           <p:cNvPr id="20" name="Text Placeholder 10">
             <a:extLst>
               <a:ext uri="{FF2B5EF4-FFF2-40B4-BE49-F238E27FC236}">
-                <a16:creationId xmlns:a16="http://schemas.microsoft.com/office/drawing/2014/main" id="{E25237A0-63B5-4AC0-887D-2250EDA50BDD}"/>
+                <a16:creationId xmlns="" xmlns:a16="http://schemas.microsoft.com/office/drawing/2014/main" id="{E25237A0-63B5-4AC0-887D-2250EDA50BDD}"/>
               </a:ext>
             </a:extLst>
           </p:cNvPr>
@@ -9615,7 +9679,7 @@
           <p:cNvPr id="6" name="TextBox 5">
             <a:extLst>
               <a:ext uri="{FF2B5EF4-FFF2-40B4-BE49-F238E27FC236}">
-                <a16:creationId xmlns:a16="http://schemas.microsoft.com/office/drawing/2014/main" id="{769BE2C6-E649-46BF-834E-31453A9841C8}"/>
+                <a16:creationId xmlns="" xmlns:a16="http://schemas.microsoft.com/office/drawing/2014/main" id="{769BE2C6-E649-46BF-834E-31453A9841C8}"/>
               </a:ext>
             </a:extLst>
           </p:cNvPr>
@@ -9655,7 +9719,7 @@
           <p:cNvPr id="3" name="Gruppieren 2">
             <a:extLst>
               <a:ext uri="{FF2B5EF4-FFF2-40B4-BE49-F238E27FC236}">
-                <a16:creationId xmlns:a16="http://schemas.microsoft.com/office/drawing/2014/main" id="{6DC72F68-166B-A74D-B7A3-7E870FCE8704}"/>
+                <a16:creationId xmlns="" xmlns:a16="http://schemas.microsoft.com/office/drawing/2014/main" id="{6DC72F68-166B-A74D-B7A3-7E870FCE8704}"/>
               </a:ext>
             </a:extLst>
           </p:cNvPr>
@@ -9675,7 +9739,7 @@
             <p:cNvPr id="18" name="TextBox 17">
               <a:extLst>
                 <a:ext uri="{FF2B5EF4-FFF2-40B4-BE49-F238E27FC236}">
-                  <a16:creationId xmlns:a16="http://schemas.microsoft.com/office/drawing/2014/main" id="{AEFC068F-03CF-6048-8EB5-36B02378D2CF}"/>
+                  <a16:creationId xmlns="" xmlns:a16="http://schemas.microsoft.com/office/drawing/2014/main" id="{AEFC068F-03CF-6048-8EB5-36B02378D2CF}"/>
                 </a:ext>
               </a:extLst>
             </p:cNvPr>
@@ -9722,7 +9786,7 @@
             <p:cNvPr id="11" name="Grafik 10">
               <a:extLst>
                 <a:ext uri="{FF2B5EF4-FFF2-40B4-BE49-F238E27FC236}">
-                  <a16:creationId xmlns:a16="http://schemas.microsoft.com/office/drawing/2014/main" id="{DFF8526A-7654-CA4A-AA0D-1D8FCD7D83C5}"/>
+                  <a16:creationId xmlns="" xmlns:a16="http://schemas.microsoft.com/office/drawing/2014/main" id="{DFF8526A-7654-CA4A-AA0D-1D8FCD7D83C5}"/>
                 </a:ext>
               </a:extLst>
             </p:cNvPr>
@@ -9753,7 +9817,7 @@
           <p:cNvPr id="9" name="Picture 8" descr="A black background with a black square&#10;&#10;Description automatically generated with medium confidence">
             <a:extLst>
               <a:ext uri="{FF2B5EF4-FFF2-40B4-BE49-F238E27FC236}">
-                <a16:creationId xmlns:a16="http://schemas.microsoft.com/office/drawing/2014/main" id="{68FA4F16-5C44-1C9E-0EBF-B76E5F973863}"/>
+                <a16:creationId xmlns="" xmlns:a16="http://schemas.microsoft.com/office/drawing/2014/main" id="{68FA4F16-5C44-1C9E-0EBF-B76E5F973863}"/>
               </a:ext>
             </a:extLst>
           </p:cNvPr>
@@ -10141,7 +10205,7 @@
           <p:cNvPr id="2" name="TextBox 1">
             <a:extLst>
               <a:ext uri="{FF2B5EF4-FFF2-40B4-BE49-F238E27FC236}">
-                <a16:creationId xmlns:a16="http://schemas.microsoft.com/office/drawing/2014/main" id="{D6B941BD-9623-B04B-8AEC-0AB47DBBB52A}"/>
+                <a16:creationId xmlns="" xmlns:a16="http://schemas.microsoft.com/office/drawing/2014/main" id="{D6B941BD-9623-B04B-8AEC-0AB47DBBB52A}"/>
               </a:ext>
             </a:extLst>
           </p:cNvPr>
@@ -10246,7 +10310,7 @@
           <p:cNvPr id="2" name="Slide Number Placeholder 1">
             <a:extLst>
               <a:ext uri="{FF2B5EF4-FFF2-40B4-BE49-F238E27FC236}">
-                <a16:creationId xmlns:a16="http://schemas.microsoft.com/office/drawing/2014/main" id="{1D03A3CA-9D8B-D14A-3781-BE16A29B088F}"/>
+                <a16:creationId xmlns="" xmlns:a16="http://schemas.microsoft.com/office/drawing/2014/main" id="{1D03A3CA-9D8B-D14A-3781-BE16A29B088F}"/>
               </a:ext>
             </a:extLst>
           </p:cNvPr>
@@ -10276,7 +10340,7 @@
           <p:cNvPr id="4" name="Textfeld 3">
             <a:extLst>
               <a:ext uri="{FF2B5EF4-FFF2-40B4-BE49-F238E27FC236}">
-                <a16:creationId xmlns:a16="http://schemas.microsoft.com/office/drawing/2014/main" id="{A656852C-E1AC-0C0A-ED45-79ACBF006E54}"/>
+                <a16:creationId xmlns="" xmlns:a16="http://schemas.microsoft.com/office/drawing/2014/main" id="{A656852C-E1AC-0C0A-ED45-79ACBF006E54}"/>
               </a:ext>
             </a:extLst>
           </p:cNvPr>
@@ -10335,7 +10399,7 @@
           <p:cNvPr id="23" name="Picture 22" descr="A black and yellow logo&#10;&#10;Description automatically generated">
             <a:extLst>
               <a:ext uri="{FF2B5EF4-FFF2-40B4-BE49-F238E27FC236}">
-                <a16:creationId xmlns:a16="http://schemas.microsoft.com/office/drawing/2014/main" id="{B0D604D8-E777-7F3B-28BD-FF5476B2121D}"/>
+                <a16:creationId xmlns="" xmlns:a16="http://schemas.microsoft.com/office/drawing/2014/main" id="{B0D604D8-E777-7F3B-28BD-FF5476B2121D}"/>
               </a:ext>
             </a:extLst>
           </p:cNvPr>
@@ -10394,7 +10458,7 @@
           <p:cNvPr id="6" name="Text Placeholder 5">
             <a:extLst>
               <a:ext uri="{FF2B5EF4-FFF2-40B4-BE49-F238E27FC236}">
-                <a16:creationId xmlns:a16="http://schemas.microsoft.com/office/drawing/2014/main" id="{52A9FA28-C8F7-5185-9A6A-ECD328439613}"/>
+                <a16:creationId xmlns="" xmlns:a16="http://schemas.microsoft.com/office/drawing/2014/main" id="{52A9FA28-C8F7-5185-9A6A-ECD328439613}"/>
               </a:ext>
             </a:extLst>
           </p:cNvPr>
@@ -10425,7 +10489,7 @@
           <p:cNvPr id="7" name="Text Placeholder 6">
             <a:extLst>
               <a:ext uri="{FF2B5EF4-FFF2-40B4-BE49-F238E27FC236}">
-                <a16:creationId xmlns:a16="http://schemas.microsoft.com/office/drawing/2014/main" id="{5182464D-0304-5D63-0FDA-ABA722AFBF97}"/>
+                <a16:creationId xmlns="" xmlns:a16="http://schemas.microsoft.com/office/drawing/2014/main" id="{5182464D-0304-5D63-0FDA-ABA722AFBF97}"/>
               </a:ext>
             </a:extLst>
           </p:cNvPr>
@@ -10455,7 +10519,7 @@
           <p:cNvPr id="8" name="Text Placeholder 7">
             <a:extLst>
               <a:ext uri="{FF2B5EF4-FFF2-40B4-BE49-F238E27FC236}">
-                <a16:creationId xmlns:a16="http://schemas.microsoft.com/office/drawing/2014/main" id="{DE8B8728-34D1-3423-1056-056DD5A1CA41}"/>
+                <a16:creationId xmlns="" xmlns:a16="http://schemas.microsoft.com/office/drawing/2014/main" id="{DE8B8728-34D1-3423-1056-056DD5A1CA41}"/>
               </a:ext>
             </a:extLst>
           </p:cNvPr>
@@ -10485,7 +10549,7 @@
           <p:cNvPr id="9" name="Text Placeholder 8">
             <a:extLst>
               <a:ext uri="{FF2B5EF4-FFF2-40B4-BE49-F238E27FC236}">
-                <a16:creationId xmlns:a16="http://schemas.microsoft.com/office/drawing/2014/main" id="{30165E9D-E399-65EA-F209-C9272A6A1337}"/>
+                <a16:creationId xmlns="" xmlns:a16="http://schemas.microsoft.com/office/drawing/2014/main" id="{30165E9D-E399-65EA-F209-C9272A6A1337}"/>
               </a:ext>
             </a:extLst>
           </p:cNvPr>
@@ -10515,7 +10579,7 @@
           <p:cNvPr id="2" name="Slide Number Placeholder 1">
             <a:extLst>
               <a:ext uri="{FF2B5EF4-FFF2-40B4-BE49-F238E27FC236}">
-                <a16:creationId xmlns:a16="http://schemas.microsoft.com/office/drawing/2014/main" id="{1D03A3CA-9D8B-D14A-3781-BE16A29B088F}"/>
+                <a16:creationId xmlns="" xmlns:a16="http://schemas.microsoft.com/office/drawing/2014/main" id="{1D03A3CA-9D8B-D14A-3781-BE16A29B088F}"/>
               </a:ext>
             </a:extLst>
           </p:cNvPr>
@@ -10550,7 +10614,7 @@
           <p:cNvPr id="10" name="TextBox 9">
             <a:extLst>
               <a:ext uri="{FF2B5EF4-FFF2-40B4-BE49-F238E27FC236}">
-                <a16:creationId xmlns:a16="http://schemas.microsoft.com/office/drawing/2014/main" id="{AE0FEBEC-3ED1-E083-F4F3-198D5F13D36B}"/>
+                <a16:creationId xmlns="" xmlns:a16="http://schemas.microsoft.com/office/drawing/2014/main" id="{AE0FEBEC-3ED1-E083-F4F3-198D5F13D36B}"/>
               </a:ext>
             </a:extLst>
           </p:cNvPr>
@@ -10627,7 +10691,7 @@
           <p:cNvPr id="2" name="Slide Number Placeholder 1">
             <a:extLst>
               <a:ext uri="{FF2B5EF4-FFF2-40B4-BE49-F238E27FC236}">
-                <a16:creationId xmlns:a16="http://schemas.microsoft.com/office/drawing/2014/main" id="{1D03A3CA-9D8B-D14A-3781-BE16A29B088F}"/>
+                <a16:creationId xmlns="" xmlns:a16="http://schemas.microsoft.com/office/drawing/2014/main" id="{1D03A3CA-9D8B-D14A-3781-BE16A29B088F}"/>
               </a:ext>
             </a:extLst>
           </p:cNvPr>
@@ -10657,7 +10721,7 @@
           <p:cNvPr id="6" name="Text Placeholder 5">
             <a:extLst>
               <a:ext uri="{FF2B5EF4-FFF2-40B4-BE49-F238E27FC236}">
-                <a16:creationId xmlns:a16="http://schemas.microsoft.com/office/drawing/2014/main" id="{52A9FA28-C8F7-5185-9A6A-ECD328439613}"/>
+                <a16:creationId xmlns="" xmlns:a16="http://schemas.microsoft.com/office/drawing/2014/main" id="{52A9FA28-C8F7-5185-9A6A-ECD328439613}"/>
               </a:ext>
             </a:extLst>
           </p:cNvPr>
@@ -10688,7 +10752,7 @@
           <p:cNvPr id="3" name="Title 2">
             <a:extLst>
               <a:ext uri="{FF2B5EF4-FFF2-40B4-BE49-F238E27FC236}">
-                <a16:creationId xmlns:a16="http://schemas.microsoft.com/office/drawing/2014/main" id="{6FDB291F-C072-2415-45B0-5D576D66364F}"/>
+                <a16:creationId xmlns="" xmlns:a16="http://schemas.microsoft.com/office/drawing/2014/main" id="{6FDB291F-C072-2415-45B0-5D576D66364F}"/>
               </a:ext>
             </a:extLst>
           </p:cNvPr>
@@ -10737,11 +10801,11 @@
               <a:t> </a:t>
             </a:r>
             <a:r>
-              <a:rPr lang="de-DE" dirty="0" err="1"/>
-              <a:t>it‘s</a:t>
-            </a:r>
-            <a:r>
-              <a:rPr lang="de-DE" dirty="0"/>
+              <a:rPr lang="de-DE" dirty="0" err="1" smtClean="0"/>
+              <a:t>its</a:t>
+            </a:r>
+            <a:r>
+              <a:rPr lang="de-DE" dirty="0" smtClean="0"/>
               <a:t> </a:t>
             </a:r>
             <a:r>
@@ -10757,7 +10821,7 @@
           <p:cNvPr id="7" name="Text Placeholder 6">
             <a:extLst>
               <a:ext uri="{FF2B5EF4-FFF2-40B4-BE49-F238E27FC236}">
-                <a16:creationId xmlns:a16="http://schemas.microsoft.com/office/drawing/2014/main" id="{5182464D-0304-5D63-0FDA-ABA722AFBF97}"/>
+                <a16:creationId xmlns="" xmlns:a16="http://schemas.microsoft.com/office/drawing/2014/main" id="{5182464D-0304-5D63-0FDA-ABA722AFBF97}"/>
               </a:ext>
             </a:extLst>
           </p:cNvPr>
@@ -10784,36 +10848,36 @@
               <a:t> is a Mannheim-based car-dealer. They </a:t>
             </a:r>
             <a:r>
-              <a:rPr lang="en-US" dirty="0" err="1"/>
-              <a:t>reguarly</a:t>
+              <a:rPr lang="en-US" dirty="0" smtClean="0"/>
+              <a:t>regu</a:t>
             </a:r>
             <a:r>
               <a:rPr lang="en-US" dirty="0"/>
-              <a:t> trade used-cars. In </a:t>
-            </a:r>
-            <a:r>
-              <a:rPr lang="en-US"/>
-              <a:t>recent years, </a:t>
+              <a:t>l</a:t>
+            </a:r>
+            <a:r>
+              <a:rPr lang="en-US" dirty="0" smtClean="0"/>
+              <a:t>arly </a:t>
             </a:r>
             <a:r>
               <a:rPr lang="en-US" dirty="0"/>
-              <a:t>their </a:t>
-            </a:r>
-            <a:r>
-              <a:rPr lang="en-US" dirty="0" err="1"/>
-              <a:t>bussiness</a:t>
+              <a:t>trade used-cars. In recent years, their </a:t>
+            </a:r>
+            <a:r>
+              <a:rPr lang="en-US" dirty="0" smtClean="0"/>
+              <a:t>business </a:t>
             </a:r>
             <a:r>
               <a:rPr lang="en-US" dirty="0"/>
-              <a:t> has </a:t>
-            </a:r>
-            <a:r>
-              <a:rPr lang="en-US"/>
-              <a:t>grown rapidly, </a:t>
+              <a:t>has grown rapidly, therefore </a:t>
+            </a:r>
+            <a:r>
+              <a:rPr lang="en-US" dirty="0" smtClean="0"/>
+              <a:t>they </a:t>
             </a:r>
             <a:r>
               <a:rPr lang="en-US" dirty="0"/>
-              <a:t>therefore there need a solution to scale their pricing.</a:t>
+              <a:t>need a solution to scale their pricing.</a:t>
             </a:r>
           </a:p>
         </p:txBody>
@@ -10823,7 +10887,7 @@
           <p:cNvPr id="9" name="Rounded Rectangle 8">
             <a:extLst>
               <a:ext uri="{FF2B5EF4-FFF2-40B4-BE49-F238E27FC236}">
-                <a16:creationId xmlns:a16="http://schemas.microsoft.com/office/drawing/2014/main" id="{A08E5A50-338C-065D-FF78-F536AB031456}"/>
+                <a16:creationId xmlns="" xmlns:a16="http://schemas.microsoft.com/office/drawing/2014/main" id="{A08E5A50-338C-065D-FF78-F536AB031456}"/>
               </a:ext>
             </a:extLst>
           </p:cNvPr>
@@ -10877,7 +10941,7 @@
           <p:cNvPr id="8" name="Picture 7" descr="A black and yellow logo&#10;&#10;Description automatically generated">
             <a:extLst>
               <a:ext uri="{FF2B5EF4-FFF2-40B4-BE49-F238E27FC236}">
-                <a16:creationId xmlns:a16="http://schemas.microsoft.com/office/drawing/2014/main" id="{FA62DBE8-05BD-4F1D-6FBC-2C9E626AA010}"/>
+                <a16:creationId xmlns="" xmlns:a16="http://schemas.microsoft.com/office/drawing/2014/main" id="{FA62DBE8-05BD-4F1D-6FBC-2C9E626AA010}"/>
               </a:ext>
             </a:extLst>
           </p:cNvPr>
@@ -10906,7 +10970,7 @@
           <p:cNvPr id="10" name="TextBox 9">
             <a:extLst>
               <a:ext uri="{FF2B5EF4-FFF2-40B4-BE49-F238E27FC236}">
-                <a16:creationId xmlns:a16="http://schemas.microsoft.com/office/drawing/2014/main" id="{05BBBF11-EAF2-5876-E6ED-1AF7AF816F5E}"/>
+                <a16:creationId xmlns="" xmlns:a16="http://schemas.microsoft.com/office/drawing/2014/main" id="{05BBBF11-EAF2-5876-E6ED-1AF7AF816F5E}"/>
               </a:ext>
             </a:extLst>
           </p:cNvPr>
@@ -10947,7 +11011,7 @@
           <p:cNvPr id="12" name="Graphic 11" descr="High voltage with solid fill">
             <a:extLst>
               <a:ext uri="{FF2B5EF4-FFF2-40B4-BE49-F238E27FC236}">
-                <a16:creationId xmlns:a16="http://schemas.microsoft.com/office/drawing/2014/main" id="{2619DA05-66A1-1931-1569-4B21E961A741}"/>
+                <a16:creationId xmlns="" xmlns:a16="http://schemas.microsoft.com/office/drawing/2014/main" id="{2619DA05-66A1-1931-1569-4B21E961A741}"/>
               </a:ext>
             </a:extLst>
           </p:cNvPr>
@@ -10960,7 +11024,7 @@
           <a:blip r:embed="rId3">
             <a:extLst>
               <a:ext uri="{96DAC541-7B7A-43D3-8B79-37D633B846F1}">
-                <asvg:svgBlip xmlns:asvg="http://schemas.microsoft.com/office/drawing/2016/SVG/main" r:embed="rId4"/>
+                <asvg:svgBlip xmlns="" xmlns:asvg="http://schemas.microsoft.com/office/drawing/2016/SVG/main" r:embed="rId4"/>
               </a:ext>
             </a:extLst>
           </a:blip>
@@ -10983,7 +11047,7 @@
           <p:cNvPr id="21" name="Group 20">
             <a:extLst>
               <a:ext uri="{FF2B5EF4-FFF2-40B4-BE49-F238E27FC236}">
-                <a16:creationId xmlns:a16="http://schemas.microsoft.com/office/drawing/2014/main" id="{BE29CC24-0EEA-07A2-B3AF-5BCB0D44F5D2}"/>
+                <a16:creationId xmlns="" xmlns:a16="http://schemas.microsoft.com/office/drawing/2014/main" id="{BE29CC24-0EEA-07A2-B3AF-5BCB0D44F5D2}"/>
               </a:ext>
             </a:extLst>
           </p:cNvPr>
@@ -11003,7 +11067,7 @@
             <p:cNvPr id="15" name="TextBox 14">
               <a:extLst>
                 <a:ext uri="{FF2B5EF4-FFF2-40B4-BE49-F238E27FC236}">
-                  <a16:creationId xmlns:a16="http://schemas.microsoft.com/office/drawing/2014/main" id="{7F456953-6E7E-E7BF-47FF-FEB829DAAD32}"/>
+                  <a16:creationId xmlns="" xmlns:a16="http://schemas.microsoft.com/office/drawing/2014/main" id="{7F456953-6E7E-E7BF-47FF-FEB829DAAD32}"/>
                 </a:ext>
               </a:extLst>
             </p:cNvPr>
@@ -11046,7 +11110,7 @@
             <p:cNvPr id="16" name="TextBox 15">
               <a:extLst>
                 <a:ext uri="{FF2B5EF4-FFF2-40B4-BE49-F238E27FC236}">
-                  <a16:creationId xmlns:a16="http://schemas.microsoft.com/office/drawing/2014/main" id="{5FA54786-A977-CF76-C7B9-5AC12FB80BCD}"/>
+                  <a16:creationId xmlns="" xmlns:a16="http://schemas.microsoft.com/office/drawing/2014/main" id="{5FA54786-A977-CF76-C7B9-5AC12FB80BCD}"/>
                 </a:ext>
               </a:extLst>
             </p:cNvPr>
@@ -11097,7 +11161,7 @@
             <p:cNvPr id="17" name="TextBox 16">
               <a:extLst>
                 <a:ext uri="{FF2B5EF4-FFF2-40B4-BE49-F238E27FC236}">
-                  <a16:creationId xmlns:a16="http://schemas.microsoft.com/office/drawing/2014/main" id="{D159AD3E-4901-E644-597A-78DC23057A80}"/>
+                  <a16:creationId xmlns="" xmlns:a16="http://schemas.microsoft.com/office/drawing/2014/main" id="{D159AD3E-4901-E644-597A-78DC23057A80}"/>
                 </a:ext>
               </a:extLst>
             </p:cNvPr>
@@ -11153,7 +11217,7 @@
           <p:cNvPr id="18" name="TextBox 17">
             <a:extLst>
               <a:ext uri="{FF2B5EF4-FFF2-40B4-BE49-F238E27FC236}">
-                <a16:creationId xmlns:a16="http://schemas.microsoft.com/office/drawing/2014/main" id="{1D9B9575-DB19-AB58-E5A9-190D24D14A42}"/>
+                <a16:creationId xmlns="" xmlns:a16="http://schemas.microsoft.com/office/drawing/2014/main" id="{1D9B9575-DB19-AB58-E5A9-190D24D14A42}"/>
               </a:ext>
             </a:extLst>
           </p:cNvPr>
@@ -11200,7 +11264,7 @@
           <p:cNvPr id="20" name="TextBox 19">
             <a:extLst>
               <a:ext uri="{FF2B5EF4-FFF2-40B4-BE49-F238E27FC236}">
-                <a16:creationId xmlns:a16="http://schemas.microsoft.com/office/drawing/2014/main" id="{9240CEA5-84BC-3BAD-8D9B-BD4013E412F3}"/>
+                <a16:creationId xmlns="" xmlns:a16="http://schemas.microsoft.com/office/drawing/2014/main" id="{9240CEA5-84BC-3BAD-8D9B-BD4013E412F3}"/>
               </a:ext>
             </a:extLst>
           </p:cNvPr>
@@ -11248,7 +11312,7 @@
           <p:cNvPr id="19" name="TextBox 18">
             <a:extLst>
               <a:ext uri="{FF2B5EF4-FFF2-40B4-BE49-F238E27FC236}">
-                <a16:creationId xmlns:a16="http://schemas.microsoft.com/office/drawing/2014/main" id="{CC6F1FB5-2960-9EBE-FA1E-D8913C8FFD42}"/>
+                <a16:creationId xmlns="" xmlns:a16="http://schemas.microsoft.com/office/drawing/2014/main" id="{CC6F1FB5-2960-9EBE-FA1E-D8913C8FFD42}"/>
               </a:ext>
             </a:extLst>
           </p:cNvPr>
@@ -11319,7 +11383,7 @@
           <p:cNvPr id="2" name="Slide Number Placeholder 1">
             <a:extLst>
               <a:ext uri="{FF2B5EF4-FFF2-40B4-BE49-F238E27FC236}">
-                <a16:creationId xmlns:a16="http://schemas.microsoft.com/office/drawing/2014/main" id="{1D03A3CA-9D8B-D14A-3781-BE16A29B088F}"/>
+                <a16:creationId xmlns="" xmlns:a16="http://schemas.microsoft.com/office/drawing/2014/main" id="{1D03A3CA-9D8B-D14A-3781-BE16A29B088F}"/>
               </a:ext>
             </a:extLst>
           </p:cNvPr>
@@ -11349,7 +11413,7 @@
           <p:cNvPr id="6" name="Text Placeholder 5">
             <a:extLst>
               <a:ext uri="{FF2B5EF4-FFF2-40B4-BE49-F238E27FC236}">
-                <a16:creationId xmlns:a16="http://schemas.microsoft.com/office/drawing/2014/main" id="{52A9FA28-C8F7-5185-9A6A-ECD328439613}"/>
+                <a16:creationId xmlns="" xmlns:a16="http://schemas.microsoft.com/office/drawing/2014/main" id="{52A9FA28-C8F7-5185-9A6A-ECD328439613}"/>
               </a:ext>
             </a:extLst>
           </p:cNvPr>
@@ -11379,7 +11443,7 @@
           <p:cNvPr id="3" name="Title 2">
             <a:extLst>
               <a:ext uri="{FF2B5EF4-FFF2-40B4-BE49-F238E27FC236}">
-                <a16:creationId xmlns:a16="http://schemas.microsoft.com/office/drawing/2014/main" id="{6FDB291F-C072-2415-45B0-5D576D66364F}"/>
+                <a16:creationId xmlns="" xmlns:a16="http://schemas.microsoft.com/office/drawing/2014/main" id="{6FDB291F-C072-2415-45B0-5D576D66364F}"/>
               </a:ext>
             </a:extLst>
           </p:cNvPr>
@@ -11448,7 +11512,7 @@
           <p:cNvPr id="7" name="Text Placeholder 6">
             <a:extLst>
               <a:ext uri="{FF2B5EF4-FFF2-40B4-BE49-F238E27FC236}">
-                <a16:creationId xmlns:a16="http://schemas.microsoft.com/office/drawing/2014/main" id="{5182464D-0304-5D63-0FDA-ABA722AFBF97}"/>
+                <a16:creationId xmlns="" xmlns:a16="http://schemas.microsoft.com/office/drawing/2014/main" id="{5182464D-0304-5D63-0FDA-ABA722AFBF97}"/>
               </a:ext>
             </a:extLst>
           </p:cNvPr>
@@ -11478,7 +11542,7 @@
           <p:cNvPr id="12" name="Rounded Rectangle 11">
             <a:extLst>
               <a:ext uri="{FF2B5EF4-FFF2-40B4-BE49-F238E27FC236}">
-                <a16:creationId xmlns:a16="http://schemas.microsoft.com/office/drawing/2014/main" id="{A2ADAEF1-249D-A3D6-FFEC-87545FDC76A8}"/>
+                <a16:creationId xmlns="" xmlns:a16="http://schemas.microsoft.com/office/drawing/2014/main" id="{A2ADAEF1-249D-A3D6-FFEC-87545FDC76A8}"/>
               </a:ext>
             </a:extLst>
           </p:cNvPr>
@@ -11532,7 +11596,7 @@
           <p:cNvPr id="13" name="Rounded Rectangle 12">
             <a:extLst>
               <a:ext uri="{FF2B5EF4-FFF2-40B4-BE49-F238E27FC236}">
-                <a16:creationId xmlns:a16="http://schemas.microsoft.com/office/drawing/2014/main" id="{8B5BA8C8-C9CE-1BD2-29F3-4EFBB0A10B9C}"/>
+                <a16:creationId xmlns="" xmlns:a16="http://schemas.microsoft.com/office/drawing/2014/main" id="{8B5BA8C8-C9CE-1BD2-29F3-4EFBB0A10B9C}"/>
               </a:ext>
             </a:extLst>
           </p:cNvPr>
@@ -11586,7 +11650,7 @@
           <p:cNvPr id="15" name="TextBox 14">
             <a:extLst>
               <a:ext uri="{FF2B5EF4-FFF2-40B4-BE49-F238E27FC236}">
-                <a16:creationId xmlns:a16="http://schemas.microsoft.com/office/drawing/2014/main" id="{62F6303C-3AC9-AC71-4DBD-7C078F801738}"/>
+                <a16:creationId xmlns="" xmlns:a16="http://schemas.microsoft.com/office/drawing/2014/main" id="{62F6303C-3AC9-AC71-4DBD-7C078F801738}"/>
               </a:ext>
             </a:extLst>
           </p:cNvPr>
@@ -11621,7 +11685,7 @@
           <p:cNvPr id="16" name="TextBox 15">
             <a:extLst>
               <a:ext uri="{FF2B5EF4-FFF2-40B4-BE49-F238E27FC236}">
-                <a16:creationId xmlns:a16="http://schemas.microsoft.com/office/drawing/2014/main" id="{3914BD37-2363-F089-12A8-E64CCF195838}"/>
+                <a16:creationId xmlns="" xmlns:a16="http://schemas.microsoft.com/office/drawing/2014/main" id="{3914BD37-2363-F089-12A8-E64CCF195838}"/>
               </a:ext>
             </a:extLst>
           </p:cNvPr>
@@ -11656,7 +11720,7 @@
           <p:cNvPr id="18" name="TextBox 17">
             <a:extLst>
               <a:ext uri="{FF2B5EF4-FFF2-40B4-BE49-F238E27FC236}">
-                <a16:creationId xmlns:a16="http://schemas.microsoft.com/office/drawing/2014/main" id="{EEAFA2A7-566A-0882-0448-99A80613F170}"/>
+                <a16:creationId xmlns="" xmlns:a16="http://schemas.microsoft.com/office/drawing/2014/main" id="{EEAFA2A7-566A-0882-0448-99A80613F170}"/>
               </a:ext>
             </a:extLst>
           </p:cNvPr>
@@ -11749,12 +11813,16 @@
               <a:t>Convince us in your </a:t>
             </a:r>
             <a:r>
-              <a:rPr lang="en-US" sz="1500" b="1" dirty="0"/>
-              <a:t>final-presentation</a:t>
+              <a:rPr lang="en-US" sz="1500" b="1" dirty="0" smtClean="0"/>
+              <a:t>final presentation</a:t>
+            </a:r>
+            <a:r>
+              <a:rPr lang="en-US" sz="1500" dirty="0" smtClean="0"/>
+              <a:t> </a:t>
             </a:r>
             <a:r>
               <a:rPr lang="en-US" sz="1500" dirty="0"/>
-              <a:t> that your preprocessing and modelling are </a:t>
+              <a:t>that your preprocessing and modelling are </a:t>
             </a:r>
             <a:r>
               <a:rPr lang="en-US" sz="1500" b="1" dirty="0"/>
@@ -11780,7 +11848,7 @@
           <p:cNvPr id="21" name="TextBox 20">
             <a:extLst>
               <a:ext uri="{FF2B5EF4-FFF2-40B4-BE49-F238E27FC236}">
-                <a16:creationId xmlns:a16="http://schemas.microsoft.com/office/drawing/2014/main" id="{D95C4333-769B-098A-670D-5222F3D2370E}"/>
+                <a16:creationId xmlns="" xmlns:a16="http://schemas.microsoft.com/office/drawing/2014/main" id="{D95C4333-769B-098A-670D-5222F3D2370E}"/>
               </a:ext>
             </a:extLst>
           </p:cNvPr>
@@ -11866,8 +11934,8 @@
               <a:t>and compare their performance against </a:t>
             </a:r>
             <a:r>
-              <a:rPr lang="en-US" sz="1500" dirty="0" err="1"/>
-              <a:t>eachother</a:t>
+              <a:rPr lang="en-US" sz="1500" dirty="0" smtClean="0"/>
+              <a:t>each other</a:t>
             </a:r>
             <a:endParaRPr lang="en-US" sz="1500" dirty="0"/>
           </a:p>
@@ -11948,7 +12016,7 @@
           <p:cNvPr id="2" name="Slide Number Placeholder 1">
             <a:extLst>
               <a:ext uri="{FF2B5EF4-FFF2-40B4-BE49-F238E27FC236}">
-                <a16:creationId xmlns:a16="http://schemas.microsoft.com/office/drawing/2014/main" id="{1D03A3CA-9D8B-D14A-3781-BE16A29B088F}"/>
+                <a16:creationId xmlns="" xmlns:a16="http://schemas.microsoft.com/office/drawing/2014/main" id="{1D03A3CA-9D8B-D14A-3781-BE16A29B088F}"/>
               </a:ext>
             </a:extLst>
           </p:cNvPr>
@@ -11978,7 +12046,7 @@
           <p:cNvPr id="6" name="Text Placeholder 5">
             <a:extLst>
               <a:ext uri="{FF2B5EF4-FFF2-40B4-BE49-F238E27FC236}">
-                <a16:creationId xmlns:a16="http://schemas.microsoft.com/office/drawing/2014/main" id="{52A9FA28-C8F7-5185-9A6A-ECD328439613}"/>
+                <a16:creationId xmlns="" xmlns:a16="http://schemas.microsoft.com/office/drawing/2014/main" id="{52A9FA28-C8F7-5185-9A6A-ECD328439613}"/>
               </a:ext>
             </a:extLst>
           </p:cNvPr>
@@ -12008,7 +12076,7 @@
           <p:cNvPr id="3" name="Title 2">
             <a:extLst>
               <a:ext uri="{FF2B5EF4-FFF2-40B4-BE49-F238E27FC236}">
-                <a16:creationId xmlns:a16="http://schemas.microsoft.com/office/drawing/2014/main" id="{6FDB291F-C072-2415-45B0-5D576D66364F}"/>
+                <a16:creationId xmlns="" xmlns:a16="http://schemas.microsoft.com/office/drawing/2014/main" id="{6FDB291F-C072-2415-45B0-5D576D66364F}"/>
               </a:ext>
             </a:extLst>
           </p:cNvPr>
@@ -12096,7 +12164,7 @@
           <p:cNvPr id="7" name="Text Placeholder 6">
             <a:extLst>
               <a:ext uri="{FF2B5EF4-FFF2-40B4-BE49-F238E27FC236}">
-                <a16:creationId xmlns:a16="http://schemas.microsoft.com/office/drawing/2014/main" id="{5182464D-0304-5D63-0FDA-ABA722AFBF97}"/>
+                <a16:creationId xmlns="" xmlns:a16="http://schemas.microsoft.com/office/drawing/2014/main" id="{5182464D-0304-5D63-0FDA-ABA722AFBF97}"/>
               </a:ext>
             </a:extLst>
           </p:cNvPr>
@@ -12210,7 +12278,7 @@
           <p:cNvPr id="4" name="TextBox 3">
             <a:extLst>
               <a:ext uri="{FF2B5EF4-FFF2-40B4-BE49-F238E27FC236}">
-                <a16:creationId xmlns:a16="http://schemas.microsoft.com/office/drawing/2014/main" id="{89B99653-9CB9-D8BD-30B7-9D5C4CD54E38}"/>
+                <a16:creationId xmlns="" xmlns:a16="http://schemas.microsoft.com/office/drawing/2014/main" id="{89B99653-9CB9-D8BD-30B7-9D5C4CD54E38}"/>
               </a:ext>
             </a:extLst>
           </p:cNvPr>
@@ -12245,7 +12313,7 @@
           <p:cNvPr id="11" name="Group 10">
             <a:extLst>
               <a:ext uri="{FF2B5EF4-FFF2-40B4-BE49-F238E27FC236}">
-                <a16:creationId xmlns:a16="http://schemas.microsoft.com/office/drawing/2014/main" id="{2BDC7EE7-980B-F876-6C96-CDB86EF7E4FE}"/>
+                <a16:creationId xmlns="" xmlns:a16="http://schemas.microsoft.com/office/drawing/2014/main" id="{2BDC7EE7-980B-F876-6C96-CDB86EF7E4FE}"/>
               </a:ext>
             </a:extLst>
           </p:cNvPr>
@@ -12265,7 +12333,7 @@
             <p:cNvPr id="5" name="TextBox 4">
               <a:extLst>
                 <a:ext uri="{FF2B5EF4-FFF2-40B4-BE49-F238E27FC236}">
-                  <a16:creationId xmlns:a16="http://schemas.microsoft.com/office/drawing/2014/main" id="{7BA10C1C-280E-99F8-B50C-A6B2AE5BBDC5}"/>
+                  <a16:creationId xmlns="" xmlns:a16="http://schemas.microsoft.com/office/drawing/2014/main" id="{7BA10C1C-280E-99F8-B50C-A6B2AE5BBDC5}"/>
                 </a:ext>
               </a:extLst>
             </p:cNvPr>
@@ -12301,7 +12369,7 @@
             <p:cNvPr id="8" name="TextBox 7">
               <a:extLst>
                 <a:ext uri="{FF2B5EF4-FFF2-40B4-BE49-F238E27FC236}">
-                  <a16:creationId xmlns:a16="http://schemas.microsoft.com/office/drawing/2014/main" id="{ADD5FC3A-0808-68A7-D0E8-700B46ACF7BC}"/>
+                  <a16:creationId xmlns="" xmlns:a16="http://schemas.microsoft.com/office/drawing/2014/main" id="{ADD5FC3A-0808-68A7-D0E8-700B46ACF7BC}"/>
                 </a:ext>
               </a:extLst>
             </p:cNvPr>
@@ -12337,7 +12405,7 @@
             <p:cNvPr id="9" name="TextBox 8">
               <a:extLst>
                 <a:ext uri="{FF2B5EF4-FFF2-40B4-BE49-F238E27FC236}">
-                  <a16:creationId xmlns:a16="http://schemas.microsoft.com/office/drawing/2014/main" id="{E73C3C1B-3136-83AA-98ED-0CC4AA8830CF}"/>
+                  <a16:creationId xmlns="" xmlns:a16="http://schemas.microsoft.com/office/drawing/2014/main" id="{E73C3C1B-3136-83AA-98ED-0CC4AA8830CF}"/>
                 </a:ext>
               </a:extLst>
             </p:cNvPr>
@@ -12373,7 +12441,7 @@
             <p:cNvPr id="10" name="TextBox 9">
               <a:extLst>
                 <a:ext uri="{FF2B5EF4-FFF2-40B4-BE49-F238E27FC236}">
-                  <a16:creationId xmlns:a16="http://schemas.microsoft.com/office/drawing/2014/main" id="{E5D21F1A-5AC7-9CBE-4367-347720137C20}"/>
+                  <a16:creationId xmlns="" xmlns:a16="http://schemas.microsoft.com/office/drawing/2014/main" id="{E5D21F1A-5AC7-9CBE-4367-347720137C20}"/>
                 </a:ext>
               </a:extLst>
             </p:cNvPr>
@@ -12440,7 +12508,7 @@
           <p:cNvPr id="2" name="Slide Number Placeholder 1">
             <a:extLst>
               <a:ext uri="{FF2B5EF4-FFF2-40B4-BE49-F238E27FC236}">
-                <a16:creationId xmlns:a16="http://schemas.microsoft.com/office/drawing/2014/main" id="{1D03A3CA-9D8B-D14A-3781-BE16A29B088F}"/>
+                <a16:creationId xmlns="" xmlns:a16="http://schemas.microsoft.com/office/drawing/2014/main" id="{1D03A3CA-9D8B-D14A-3781-BE16A29B088F}"/>
               </a:ext>
             </a:extLst>
           </p:cNvPr>
@@ -12470,7 +12538,7 @@
           <p:cNvPr id="6" name="Text Placeholder 5">
             <a:extLst>
               <a:ext uri="{FF2B5EF4-FFF2-40B4-BE49-F238E27FC236}">
-                <a16:creationId xmlns:a16="http://schemas.microsoft.com/office/drawing/2014/main" id="{52A9FA28-C8F7-5185-9A6A-ECD328439613}"/>
+                <a16:creationId xmlns="" xmlns:a16="http://schemas.microsoft.com/office/drawing/2014/main" id="{52A9FA28-C8F7-5185-9A6A-ECD328439613}"/>
               </a:ext>
             </a:extLst>
           </p:cNvPr>
@@ -12500,7 +12568,7 @@
           <p:cNvPr id="3" name="Title 2">
             <a:extLst>
               <a:ext uri="{FF2B5EF4-FFF2-40B4-BE49-F238E27FC236}">
-                <a16:creationId xmlns:a16="http://schemas.microsoft.com/office/drawing/2014/main" id="{6FDB291F-C072-2415-45B0-5D576D66364F}"/>
+                <a16:creationId xmlns="" xmlns:a16="http://schemas.microsoft.com/office/drawing/2014/main" id="{6FDB291F-C072-2415-45B0-5D576D66364F}"/>
               </a:ext>
             </a:extLst>
           </p:cNvPr>
@@ -12581,7 +12649,7 @@
           <p:cNvPr id="7" name="Text Placeholder 6">
             <a:extLst>
               <a:ext uri="{FF2B5EF4-FFF2-40B4-BE49-F238E27FC236}">
-                <a16:creationId xmlns:a16="http://schemas.microsoft.com/office/drawing/2014/main" id="{5182464D-0304-5D63-0FDA-ABA722AFBF97}"/>
+                <a16:creationId xmlns="" xmlns:a16="http://schemas.microsoft.com/office/drawing/2014/main" id="{5182464D-0304-5D63-0FDA-ABA722AFBF97}"/>
               </a:ext>
             </a:extLst>
           </p:cNvPr>
@@ -12611,7 +12679,7 @@
           <p:cNvPr id="4" name="TextBox 3">
             <a:extLst>
               <a:ext uri="{FF2B5EF4-FFF2-40B4-BE49-F238E27FC236}">
-                <a16:creationId xmlns:a16="http://schemas.microsoft.com/office/drawing/2014/main" id="{D427AC2E-A61A-9B4A-D602-D8204248AAB2}"/>
+                <a16:creationId xmlns="" xmlns:a16="http://schemas.microsoft.com/office/drawing/2014/main" id="{D427AC2E-A61A-9B4A-D602-D8204248AAB2}"/>
               </a:ext>
             </a:extLst>
           </p:cNvPr>
@@ -12722,7 +12790,7 @@
           <p:cNvPr id="5" name="TextBox 4">
             <a:extLst>
               <a:ext uri="{FF2B5EF4-FFF2-40B4-BE49-F238E27FC236}">
-                <a16:creationId xmlns:a16="http://schemas.microsoft.com/office/drawing/2014/main" id="{365F76DD-A54C-A0B4-6915-4F534FA2E056}"/>
+                <a16:creationId xmlns="" xmlns:a16="http://schemas.microsoft.com/office/drawing/2014/main" id="{365F76DD-A54C-A0B4-6915-4F534FA2E056}"/>
               </a:ext>
             </a:extLst>
           </p:cNvPr>
@@ -12757,7 +12825,7 @@
           <p:cNvPr id="8" name="TextBox 7">
             <a:extLst>
               <a:ext uri="{FF2B5EF4-FFF2-40B4-BE49-F238E27FC236}">
-                <a16:creationId xmlns:a16="http://schemas.microsoft.com/office/drawing/2014/main" id="{4BDFF341-64B0-2F54-E1BA-53E8B800BF54}"/>
+                <a16:creationId xmlns="" xmlns:a16="http://schemas.microsoft.com/office/drawing/2014/main" id="{4BDFF341-64B0-2F54-E1BA-53E8B800BF54}"/>
               </a:ext>
             </a:extLst>
           </p:cNvPr>
@@ -12798,12 +12866,12 @@
               <a:t>choose the </a:t>
             </a:r>
             <a:r>
-              <a:rPr lang="en-US" sz="1400" dirty="0" err="1"/>
-              <a:t>meaninigful</a:t>
+              <a:rPr lang="en-US" sz="1400" dirty="0" smtClean="0"/>
+              <a:t>meaningful </a:t>
             </a:r>
             <a:r>
               <a:rPr lang="en-US" sz="1400" dirty="0"/>
-              <a:t> features</a:t>
+              <a:t>features</a:t>
             </a:r>
           </a:p>
         </p:txBody>
@@ -12813,7 +12881,7 @@
           <p:cNvPr id="9" name="TextBox 8">
             <a:extLst>
               <a:ext uri="{FF2B5EF4-FFF2-40B4-BE49-F238E27FC236}">
-                <a16:creationId xmlns:a16="http://schemas.microsoft.com/office/drawing/2014/main" id="{815DFD10-54E9-F987-17A6-222394CD9A9F}"/>
+                <a16:creationId xmlns="" xmlns:a16="http://schemas.microsoft.com/office/drawing/2014/main" id="{815DFD10-54E9-F987-17A6-222394CD9A9F}"/>
               </a:ext>
             </a:extLst>
           </p:cNvPr>
@@ -12848,7 +12916,7 @@
           <p:cNvPr id="10" name="TextBox 9">
             <a:extLst>
               <a:ext uri="{FF2B5EF4-FFF2-40B4-BE49-F238E27FC236}">
-                <a16:creationId xmlns:a16="http://schemas.microsoft.com/office/drawing/2014/main" id="{C98C3108-0A0E-5537-67C9-B4B2960177C7}"/>
+                <a16:creationId xmlns="" xmlns:a16="http://schemas.microsoft.com/office/drawing/2014/main" id="{C98C3108-0A0E-5537-67C9-B4B2960177C7}"/>
               </a:ext>
             </a:extLst>
           </p:cNvPr>
@@ -12883,7 +12951,7 @@
           <p:cNvPr id="11" name="TextBox 10">
             <a:extLst>
               <a:ext uri="{FF2B5EF4-FFF2-40B4-BE49-F238E27FC236}">
-                <a16:creationId xmlns:a16="http://schemas.microsoft.com/office/drawing/2014/main" id="{75DB68F0-964E-AA78-6AA8-87375C8D78B4}"/>
+                <a16:creationId xmlns="" xmlns:a16="http://schemas.microsoft.com/office/drawing/2014/main" id="{75DB68F0-964E-AA78-6AA8-87375C8D78B4}"/>
               </a:ext>
             </a:extLst>
           </p:cNvPr>
@@ -12918,7 +12986,7 @@
           <p:cNvPr id="12" name="TextBox 11">
             <a:extLst>
               <a:ext uri="{FF2B5EF4-FFF2-40B4-BE49-F238E27FC236}">
-                <a16:creationId xmlns:a16="http://schemas.microsoft.com/office/drawing/2014/main" id="{ECB988BE-4210-5CF1-4F82-02A462F0BC73}"/>
+                <a16:creationId xmlns="" xmlns:a16="http://schemas.microsoft.com/office/drawing/2014/main" id="{ECB988BE-4210-5CF1-4F82-02A462F0BC73}"/>
               </a:ext>
             </a:extLst>
           </p:cNvPr>
@@ -12953,7 +13021,7 @@
           <p:cNvPr id="13" name="TextBox 12">
             <a:extLst>
               <a:ext uri="{FF2B5EF4-FFF2-40B4-BE49-F238E27FC236}">
-                <a16:creationId xmlns:a16="http://schemas.microsoft.com/office/drawing/2014/main" id="{CCE67964-3DF2-2514-3456-09F2A46CAC0D}"/>
+                <a16:creationId xmlns="" xmlns:a16="http://schemas.microsoft.com/office/drawing/2014/main" id="{CCE67964-3DF2-2514-3456-09F2A46CAC0D}"/>
               </a:ext>
             </a:extLst>
           </p:cNvPr>
